--- a/Projeto Estoque+.pptx
+++ b/Projeto Estoque+.pptx
@@ -11,25 +11,26 @@
     <p:sldId id="258" r:id="rId5"/>
     <p:sldId id="259" r:id="rId6"/>
     <p:sldId id="260" r:id="rId7"/>
-    <p:sldId id="266" r:id="rId8"/>
-    <p:sldId id="269" r:id="rId9"/>
-    <p:sldId id="270" r:id="rId10"/>
-    <p:sldId id="271" r:id="rId11"/>
-    <p:sldId id="272" r:id="rId12"/>
-    <p:sldId id="273" r:id="rId13"/>
-    <p:sldId id="274" r:id="rId14"/>
-    <p:sldId id="275" r:id="rId15"/>
-    <p:sldId id="261" r:id="rId16"/>
-    <p:sldId id="262" r:id="rId17"/>
-    <p:sldId id="263" r:id="rId18"/>
-    <p:sldId id="264" r:id="rId19"/>
-    <p:sldId id="265" r:id="rId20"/>
-    <p:sldId id="276" r:id="rId21"/>
-    <p:sldId id="277" r:id="rId22"/>
-    <p:sldId id="278" r:id="rId23"/>
-    <p:sldId id="279" r:id="rId24"/>
-    <p:sldId id="280" r:id="rId25"/>
-    <p:sldId id="282" r:id="rId26"/>
+    <p:sldId id="283" r:id="rId8"/>
+    <p:sldId id="266" r:id="rId9"/>
+    <p:sldId id="269" r:id="rId10"/>
+    <p:sldId id="270" r:id="rId11"/>
+    <p:sldId id="271" r:id="rId12"/>
+    <p:sldId id="272" r:id="rId13"/>
+    <p:sldId id="273" r:id="rId14"/>
+    <p:sldId id="274" r:id="rId15"/>
+    <p:sldId id="275" r:id="rId16"/>
+    <p:sldId id="261" r:id="rId17"/>
+    <p:sldId id="262" r:id="rId18"/>
+    <p:sldId id="263" r:id="rId19"/>
+    <p:sldId id="264" r:id="rId20"/>
+    <p:sldId id="265" r:id="rId21"/>
+    <p:sldId id="276" r:id="rId22"/>
+    <p:sldId id="277" r:id="rId23"/>
+    <p:sldId id="278" r:id="rId24"/>
+    <p:sldId id="279" r:id="rId25"/>
+    <p:sldId id="280" r:id="rId26"/>
+    <p:sldId id="282" r:id="rId27"/>
   </p:sldIdLst>
   <p:sldSz cx="12192000" cy="6858000"/>
   <p:notesSz cx="6858000" cy="9144000"/>
@@ -190,7 +191,7 @@
           <a:noFill/>
           <a:extLst>
             <a:ext uri="{909E8E84-426E-40dd-AFC4-6F175D3DCCD1}">
-              <a14:hiddenFill xmlns="" xmlns:a14="http://schemas.microsoft.com/office/drawing/2010/main">
+              <a14:hiddenFill xmlns:a14="http://schemas.microsoft.com/office/drawing/2010/main" xmlns="">
                 <a:solidFill>
                   <a:srgbClr val="FFFFFF"/>
                 </a:solidFill>
@@ -250,7 +251,7 @@
             </a:ln>
             <a:extLst>
               <a:ext uri="{91240B29-F687-4f45-9708-019B960494DF}">
-                <a14:hiddenLine xmlns="" xmlns:a14="http://schemas.microsoft.com/office/drawing/2010/main" w="9525">
+                <a14:hiddenLine xmlns:a14="http://schemas.microsoft.com/office/drawing/2010/main" xmlns="" w="9525">
                   <a:solidFill>
                     <a:srgbClr val="000000"/>
                   </a:solidFill>
@@ -340,7 +341,7 @@
             </a:ln>
             <a:extLst>
               <a:ext uri="{91240B29-F687-4f45-9708-019B960494DF}">
-                <a14:hiddenLine xmlns="" xmlns:a14="http://schemas.microsoft.com/office/drawing/2010/main" w="9525">
+                <a14:hiddenLine xmlns:a14="http://schemas.microsoft.com/office/drawing/2010/main" xmlns="" w="9525">
                   <a:solidFill>
                     <a:srgbClr val="000000"/>
                   </a:solidFill>
@@ -430,7 +431,7 @@
             </a:ln>
             <a:extLst>
               <a:ext uri="{91240B29-F687-4f45-9708-019B960494DF}">
-                <a14:hiddenLine xmlns="" xmlns:a14="http://schemas.microsoft.com/office/drawing/2010/main" w="9525">
+                <a14:hiddenLine xmlns:a14="http://schemas.microsoft.com/office/drawing/2010/main" xmlns="" w="9525">
                   <a:solidFill>
                     <a:srgbClr val="000000"/>
                   </a:solidFill>
@@ -464,7 +465,7 @@
             </a:ln>
             <a:extLst>
               <a:ext uri="{91240B29-F687-4f45-9708-019B960494DF}">
-                <a14:hiddenLine xmlns="" xmlns:a14="http://schemas.microsoft.com/office/drawing/2010/main" w="9525">
+                <a14:hiddenLine xmlns:a14="http://schemas.microsoft.com/office/drawing/2010/main" xmlns="" w="9525">
                   <a:solidFill>
                     <a:srgbClr val="000000"/>
                   </a:solidFill>
@@ -554,7 +555,7 @@
             </a:ln>
             <a:extLst>
               <a:ext uri="{91240B29-F687-4f45-9708-019B960494DF}">
-                <a14:hiddenLine xmlns="" xmlns:a14="http://schemas.microsoft.com/office/drawing/2010/main" w="9525">
+                <a14:hiddenLine xmlns:a14="http://schemas.microsoft.com/office/drawing/2010/main" xmlns="" w="9525">
                   <a:solidFill>
                     <a:srgbClr val="000000"/>
                   </a:solidFill>
@@ -616,7 +617,7 @@
             </a:ln>
             <a:extLst>
               <a:ext uri="{91240B29-F687-4f45-9708-019B960494DF}">
-                <a14:hiddenLine xmlns="" xmlns:a14="http://schemas.microsoft.com/office/drawing/2010/main" w="9525">
+                <a14:hiddenLine xmlns:a14="http://schemas.microsoft.com/office/drawing/2010/main" xmlns="" w="9525">
                   <a:solidFill>
                     <a:srgbClr val="000000"/>
                   </a:solidFill>
@@ -678,7 +679,7 @@
             </a:ln>
             <a:extLst>
               <a:ext uri="{91240B29-F687-4f45-9708-019B960494DF}">
-                <a14:hiddenLine xmlns="" xmlns:a14="http://schemas.microsoft.com/office/drawing/2010/main" w="9525">
+                <a14:hiddenLine xmlns:a14="http://schemas.microsoft.com/office/drawing/2010/main" xmlns="" w="9525">
                   <a:solidFill>
                     <a:srgbClr val="000000"/>
                   </a:solidFill>
@@ -768,7 +769,7 @@
             </a:ln>
             <a:extLst>
               <a:ext uri="{91240B29-F687-4f45-9708-019B960494DF}">
-                <a14:hiddenLine xmlns="" xmlns:a14="http://schemas.microsoft.com/office/drawing/2010/main" w="9525">
+                <a14:hiddenLine xmlns:a14="http://schemas.microsoft.com/office/drawing/2010/main" xmlns="" w="9525">
                   <a:solidFill>
                     <a:srgbClr val="000000"/>
                   </a:solidFill>
@@ -830,7 +831,7 @@
             </a:ln>
             <a:extLst>
               <a:ext uri="{91240B29-F687-4f45-9708-019B960494DF}">
-                <a14:hiddenLine xmlns="" xmlns:a14="http://schemas.microsoft.com/office/drawing/2010/main" w="9525">
+                <a14:hiddenLine xmlns:a14="http://schemas.microsoft.com/office/drawing/2010/main" xmlns="" w="9525">
                   <a:solidFill>
                     <a:srgbClr val="000000"/>
                   </a:solidFill>
@@ -892,7 +893,7 @@
             </a:ln>
             <a:extLst>
               <a:ext uri="{91240B29-F687-4f45-9708-019B960494DF}">
-                <a14:hiddenLine xmlns="" xmlns:a14="http://schemas.microsoft.com/office/drawing/2010/main" w="9525">
+                <a14:hiddenLine xmlns:a14="http://schemas.microsoft.com/office/drawing/2010/main" xmlns="" w="9525">
                   <a:solidFill>
                     <a:srgbClr val="000000"/>
                   </a:solidFill>
@@ -982,7 +983,7 @@
             </a:ln>
             <a:extLst>
               <a:ext uri="{91240B29-F687-4f45-9708-019B960494DF}">
-                <a14:hiddenLine xmlns="" xmlns:a14="http://schemas.microsoft.com/office/drawing/2010/main" w="9525">
+                <a14:hiddenLine xmlns:a14="http://schemas.microsoft.com/office/drawing/2010/main" xmlns="" w="9525">
                   <a:solidFill>
                     <a:srgbClr val="000000"/>
                   </a:solidFill>
@@ -1072,7 +1073,7 @@
             </a:ln>
             <a:extLst>
               <a:ext uri="{91240B29-F687-4f45-9708-019B960494DF}">
-                <a14:hiddenLine xmlns="" xmlns:a14="http://schemas.microsoft.com/office/drawing/2010/main" w="9525">
+                <a14:hiddenLine xmlns:a14="http://schemas.microsoft.com/office/drawing/2010/main" xmlns="" w="9525">
                   <a:solidFill>
                     <a:srgbClr val="000000"/>
                   </a:solidFill>
@@ -1134,7 +1135,7 @@
             </a:ln>
             <a:extLst>
               <a:ext uri="{91240B29-F687-4f45-9708-019B960494DF}">
-                <a14:hiddenLine xmlns="" xmlns:a14="http://schemas.microsoft.com/office/drawing/2010/main" w="9525">
+                <a14:hiddenLine xmlns:a14="http://schemas.microsoft.com/office/drawing/2010/main" xmlns="" w="9525">
                   <a:solidFill>
                     <a:srgbClr val="000000"/>
                   </a:solidFill>
@@ -1244,7 +1245,7 @@
             </a:ln>
             <a:extLst>
               <a:ext uri="{91240B29-F687-4f45-9708-019B960494DF}">
-                <a14:hiddenLine xmlns="" xmlns:a14="http://schemas.microsoft.com/office/drawing/2010/main" w="9525">
+                <a14:hiddenLine xmlns:a14="http://schemas.microsoft.com/office/drawing/2010/main" xmlns="" w="9525">
                   <a:solidFill>
                     <a:srgbClr val="000000"/>
                   </a:solidFill>
@@ -1306,7 +1307,7 @@
             </a:ln>
             <a:extLst>
               <a:ext uri="{91240B29-F687-4f45-9708-019B960494DF}">
-                <a14:hiddenLine xmlns="" xmlns:a14="http://schemas.microsoft.com/office/drawing/2010/main" w="9525">
+                <a14:hiddenLine xmlns:a14="http://schemas.microsoft.com/office/drawing/2010/main" xmlns="" w="9525">
                   <a:solidFill>
                     <a:srgbClr val="000000"/>
                   </a:solidFill>
@@ -1396,7 +1397,7 @@
             </a:ln>
             <a:extLst>
               <a:ext uri="{91240B29-F687-4f45-9708-019B960494DF}">
-                <a14:hiddenLine xmlns="" xmlns:a14="http://schemas.microsoft.com/office/drawing/2010/main" w="9525">
+                <a14:hiddenLine xmlns:a14="http://schemas.microsoft.com/office/drawing/2010/main" xmlns="" w="9525">
                   <a:solidFill>
                     <a:srgbClr val="000000"/>
                   </a:solidFill>
@@ -1486,7 +1487,7 @@
             </a:ln>
             <a:extLst>
               <a:ext uri="{91240B29-F687-4f45-9708-019B960494DF}">
-                <a14:hiddenLine xmlns="" xmlns:a14="http://schemas.microsoft.com/office/drawing/2010/main" w="9525">
+                <a14:hiddenLine xmlns:a14="http://schemas.microsoft.com/office/drawing/2010/main" xmlns="" w="9525">
                   <a:solidFill>
                     <a:srgbClr val="000000"/>
                   </a:solidFill>
@@ -1548,7 +1549,7 @@
             </a:ln>
             <a:extLst>
               <a:ext uri="{91240B29-F687-4f45-9708-019B960494DF}">
-                <a14:hiddenLine xmlns="" xmlns:a14="http://schemas.microsoft.com/office/drawing/2010/main" w="9525">
+                <a14:hiddenLine xmlns:a14="http://schemas.microsoft.com/office/drawing/2010/main" xmlns="" w="9525">
                   <a:solidFill>
                     <a:srgbClr val="000000"/>
                   </a:solidFill>
@@ -1638,7 +1639,7 @@
             </a:ln>
             <a:extLst>
               <a:ext uri="{91240B29-F687-4f45-9708-019B960494DF}">
-                <a14:hiddenLine xmlns="" xmlns:a14="http://schemas.microsoft.com/office/drawing/2010/main" w="9525">
+                <a14:hiddenLine xmlns:a14="http://schemas.microsoft.com/office/drawing/2010/main" xmlns="" w="9525">
                   <a:solidFill>
                     <a:srgbClr val="000000"/>
                   </a:solidFill>
@@ -1728,7 +1729,7 @@
             </a:ln>
             <a:extLst>
               <a:ext uri="{91240B29-F687-4f45-9708-019B960494DF}">
-                <a14:hiddenLine xmlns="" xmlns:a14="http://schemas.microsoft.com/office/drawing/2010/main" w="9525">
+                <a14:hiddenLine xmlns:a14="http://schemas.microsoft.com/office/drawing/2010/main" xmlns="" w="9525">
                   <a:solidFill>
                     <a:srgbClr val="000000"/>
                   </a:solidFill>
@@ -1784,7 +1785,7 @@
             </a:ln>
             <a:extLst>
               <a:ext uri="{91240B29-F687-4f45-9708-019B960494DF}">
-                <a14:hiddenLine xmlns="" xmlns:a14="http://schemas.microsoft.com/office/drawing/2010/main" w="9525">
+                <a14:hiddenLine xmlns:a14="http://schemas.microsoft.com/office/drawing/2010/main" xmlns="" w="9525">
                   <a:solidFill>
                     <a:srgbClr val="000000"/>
                   </a:solidFill>
@@ -1874,7 +1875,7 @@
             </a:ln>
             <a:extLst>
               <a:ext uri="{91240B29-F687-4f45-9708-019B960494DF}">
-                <a14:hiddenLine xmlns="" xmlns:a14="http://schemas.microsoft.com/office/drawing/2010/main" w="9525">
+                <a14:hiddenLine xmlns:a14="http://schemas.microsoft.com/office/drawing/2010/main" xmlns="" w="9525">
                   <a:solidFill>
                     <a:srgbClr val="000000"/>
                   </a:solidFill>
@@ -1930,7 +1931,7 @@
             </a:ln>
             <a:extLst>
               <a:ext uri="{91240B29-F687-4f45-9708-019B960494DF}">
-                <a14:hiddenLine xmlns="" xmlns:a14="http://schemas.microsoft.com/office/drawing/2010/main" w="9525">
+                <a14:hiddenLine xmlns:a14="http://schemas.microsoft.com/office/drawing/2010/main" xmlns="" w="9525">
                   <a:solidFill>
                     <a:srgbClr val="000000"/>
                   </a:solidFill>
@@ -2020,7 +2021,7 @@
             </a:ln>
             <a:extLst>
               <a:ext uri="{91240B29-F687-4f45-9708-019B960494DF}">
-                <a14:hiddenLine xmlns="" xmlns:a14="http://schemas.microsoft.com/office/drawing/2010/main" w="9525">
+                <a14:hiddenLine xmlns:a14="http://schemas.microsoft.com/office/drawing/2010/main" xmlns="" w="9525">
                   <a:solidFill>
                     <a:srgbClr val="000000"/>
                   </a:solidFill>
@@ -2088,7 +2089,7 @@
             </a:ln>
             <a:extLst>
               <a:ext uri="{91240B29-F687-4f45-9708-019B960494DF}">
-                <a14:hiddenLine xmlns="" xmlns:a14="http://schemas.microsoft.com/office/drawing/2010/main" w="9525">
+                <a14:hiddenLine xmlns:a14="http://schemas.microsoft.com/office/drawing/2010/main" xmlns="" w="9525">
                   <a:solidFill>
                     <a:srgbClr val="000000"/>
                   </a:solidFill>
@@ -2178,7 +2179,7 @@
             </a:ln>
             <a:extLst>
               <a:ext uri="{91240B29-F687-4f45-9708-019B960494DF}">
-                <a14:hiddenLine xmlns="" xmlns:a14="http://schemas.microsoft.com/office/drawing/2010/main" w="9525">
+                <a14:hiddenLine xmlns:a14="http://schemas.microsoft.com/office/drawing/2010/main" xmlns="" w="9525">
                   <a:solidFill>
                     <a:srgbClr val="000000"/>
                   </a:solidFill>
@@ -2246,7 +2247,7 @@
             </a:ln>
             <a:extLst>
               <a:ext uri="{91240B29-F687-4f45-9708-019B960494DF}">
-                <a14:hiddenLine xmlns="" xmlns:a14="http://schemas.microsoft.com/office/drawing/2010/main" w="9525">
+                <a14:hiddenLine xmlns:a14="http://schemas.microsoft.com/office/drawing/2010/main" xmlns="" w="9525">
                   <a:solidFill>
                     <a:srgbClr val="000000"/>
                   </a:solidFill>
@@ -2336,7 +2337,7 @@
             </a:ln>
             <a:extLst>
               <a:ext uri="{91240B29-F687-4f45-9708-019B960494DF}">
-                <a14:hiddenLine xmlns="" xmlns:a14="http://schemas.microsoft.com/office/drawing/2010/main" w="9525">
+                <a14:hiddenLine xmlns:a14="http://schemas.microsoft.com/office/drawing/2010/main" xmlns="" w="9525">
                   <a:solidFill>
                     <a:srgbClr val="000000"/>
                   </a:solidFill>
@@ -2370,7 +2371,7 @@
             </a:ln>
             <a:extLst>
               <a:ext uri="{91240B29-F687-4f45-9708-019B960494DF}">
-                <a14:hiddenLine xmlns="" xmlns:a14="http://schemas.microsoft.com/office/drawing/2010/main" w="9525">
+                <a14:hiddenLine xmlns:a14="http://schemas.microsoft.com/office/drawing/2010/main" xmlns="" w="9525">
                   <a:solidFill>
                     <a:srgbClr val="000000"/>
                   </a:solidFill>
@@ -2460,7 +2461,7 @@
             </a:ln>
             <a:extLst>
               <a:ext uri="{91240B29-F687-4f45-9708-019B960494DF}">
-                <a14:hiddenLine xmlns="" xmlns:a14="http://schemas.microsoft.com/office/drawing/2010/main" w="9525">
+                <a14:hiddenLine xmlns:a14="http://schemas.microsoft.com/office/drawing/2010/main" xmlns="" w="9525">
                   <a:solidFill>
                     <a:srgbClr val="000000"/>
                   </a:solidFill>
@@ -2522,7 +2523,7 @@
             </a:ln>
             <a:extLst>
               <a:ext uri="{91240B29-F687-4f45-9708-019B960494DF}">
-                <a14:hiddenLine xmlns="" xmlns:a14="http://schemas.microsoft.com/office/drawing/2010/main" w="9525">
+                <a14:hiddenLine xmlns:a14="http://schemas.microsoft.com/office/drawing/2010/main" xmlns="" w="9525">
                   <a:solidFill>
                     <a:srgbClr val="000000"/>
                   </a:solidFill>
@@ -2584,7 +2585,7 @@
             </a:ln>
             <a:extLst>
               <a:ext uri="{91240B29-F687-4f45-9708-019B960494DF}">
-                <a14:hiddenLine xmlns="" xmlns:a14="http://schemas.microsoft.com/office/drawing/2010/main" w="9525">
+                <a14:hiddenLine xmlns:a14="http://schemas.microsoft.com/office/drawing/2010/main" xmlns="" w="9525">
                   <a:solidFill>
                     <a:srgbClr val="000000"/>
                   </a:solidFill>
@@ -2674,7 +2675,7 @@
             </a:ln>
             <a:extLst>
               <a:ext uri="{91240B29-F687-4f45-9708-019B960494DF}">
-                <a14:hiddenLine xmlns="" xmlns:a14="http://schemas.microsoft.com/office/drawing/2010/main" w="9525">
+                <a14:hiddenLine xmlns:a14="http://schemas.microsoft.com/office/drawing/2010/main" xmlns="" w="9525">
                   <a:solidFill>
                     <a:srgbClr val="000000"/>
                   </a:solidFill>
@@ -2742,7 +2743,7 @@
             </a:ln>
             <a:extLst>
               <a:ext uri="{91240B29-F687-4f45-9708-019B960494DF}">
-                <a14:hiddenLine xmlns="" xmlns:a14="http://schemas.microsoft.com/office/drawing/2010/main" w="9525">
+                <a14:hiddenLine xmlns:a14="http://schemas.microsoft.com/office/drawing/2010/main" xmlns="" w="9525">
                   <a:solidFill>
                     <a:srgbClr val="000000"/>
                   </a:solidFill>
@@ -2804,7 +2805,7 @@
             </a:ln>
             <a:extLst>
               <a:ext uri="{91240B29-F687-4f45-9708-019B960494DF}">
-                <a14:hiddenLine xmlns="" xmlns:a14="http://schemas.microsoft.com/office/drawing/2010/main" w="9525">
+                <a14:hiddenLine xmlns:a14="http://schemas.microsoft.com/office/drawing/2010/main" xmlns="" w="9525">
                   <a:solidFill>
                     <a:srgbClr val="000000"/>
                   </a:solidFill>
@@ -2894,7 +2895,7 @@
             </a:ln>
             <a:extLst>
               <a:ext uri="{91240B29-F687-4f45-9708-019B960494DF}">
-                <a14:hiddenLine xmlns="" xmlns:a14="http://schemas.microsoft.com/office/drawing/2010/main" w="9525">
+                <a14:hiddenLine xmlns:a14="http://schemas.microsoft.com/office/drawing/2010/main" xmlns="" w="9525">
                   <a:solidFill>
                     <a:srgbClr val="000000"/>
                   </a:solidFill>
@@ -2956,7 +2957,7 @@
             </a:ln>
             <a:extLst>
               <a:ext uri="{91240B29-F687-4f45-9708-019B960494DF}">
-                <a14:hiddenLine xmlns="" xmlns:a14="http://schemas.microsoft.com/office/drawing/2010/main" w="9525">
+                <a14:hiddenLine xmlns:a14="http://schemas.microsoft.com/office/drawing/2010/main" xmlns="" w="9525">
                   <a:solidFill>
                     <a:srgbClr val="000000"/>
                   </a:solidFill>
@@ -3046,7 +3047,7 @@
             </a:ln>
             <a:extLst>
               <a:ext uri="{91240B29-F687-4f45-9708-019B960494DF}">
-                <a14:hiddenLine xmlns="" xmlns:a14="http://schemas.microsoft.com/office/drawing/2010/main" w="9525">
+                <a14:hiddenLine xmlns:a14="http://schemas.microsoft.com/office/drawing/2010/main" xmlns="" w="9525">
                   <a:solidFill>
                     <a:srgbClr val="000000"/>
                   </a:solidFill>
@@ -3108,7 +3109,7 @@
             </a:ln>
             <a:extLst>
               <a:ext uri="{91240B29-F687-4f45-9708-019B960494DF}">
-                <a14:hiddenLine xmlns="" xmlns:a14="http://schemas.microsoft.com/office/drawing/2010/main" w="9525">
+                <a14:hiddenLine xmlns:a14="http://schemas.microsoft.com/office/drawing/2010/main" xmlns="" w="9525">
                   <a:solidFill>
                     <a:srgbClr val="000000"/>
                   </a:solidFill>
@@ -3198,7 +3199,7 @@
             </a:ln>
             <a:extLst>
               <a:ext uri="{91240B29-F687-4f45-9708-019B960494DF}">
-                <a14:hiddenLine xmlns="" xmlns:a14="http://schemas.microsoft.com/office/drawing/2010/main" w="9525">
+                <a14:hiddenLine xmlns:a14="http://schemas.microsoft.com/office/drawing/2010/main" xmlns="" w="9525">
                   <a:solidFill>
                     <a:srgbClr val="000000"/>
                   </a:solidFill>
@@ -3232,7 +3233,7 @@
             </a:ln>
             <a:extLst>
               <a:ext uri="{91240B29-F687-4f45-9708-019B960494DF}">
-                <a14:hiddenLine xmlns="" xmlns:a14="http://schemas.microsoft.com/office/drawing/2010/main" w="9525">
+                <a14:hiddenLine xmlns:a14="http://schemas.microsoft.com/office/drawing/2010/main" xmlns="" w="9525">
                   <a:solidFill>
                     <a:srgbClr val="000000"/>
                   </a:solidFill>
@@ -3297,7 +3298,7 @@
             </a:ln>
             <a:extLst>
               <a:ext uri="{91240B29-F687-4f45-9708-019B960494DF}">
-                <a14:hiddenLine xmlns="" xmlns:a14="http://schemas.microsoft.com/office/drawing/2010/main" w="9525">
+                <a14:hiddenLine xmlns:a14="http://schemas.microsoft.com/office/drawing/2010/main" xmlns="" w="9525">
                   <a:solidFill>
                     <a:srgbClr val="000000"/>
                   </a:solidFill>
@@ -3387,7 +3388,7 @@
             </a:ln>
             <a:extLst>
               <a:ext uri="{91240B29-F687-4f45-9708-019B960494DF}">
-                <a14:hiddenLine xmlns="" xmlns:a14="http://schemas.microsoft.com/office/drawing/2010/main" w="9525">
+                <a14:hiddenLine xmlns:a14="http://schemas.microsoft.com/office/drawing/2010/main" xmlns="" w="9525">
                   <a:solidFill>
                     <a:srgbClr val="000000"/>
                   </a:solidFill>
@@ -3449,7 +3450,7 @@
             </a:ln>
             <a:extLst>
               <a:ext uri="{91240B29-F687-4f45-9708-019B960494DF}">
-                <a14:hiddenLine xmlns="" xmlns:a14="http://schemas.microsoft.com/office/drawing/2010/main" w="9525">
+                <a14:hiddenLine xmlns:a14="http://schemas.microsoft.com/office/drawing/2010/main" xmlns="" w="9525">
                   <a:solidFill>
                     <a:srgbClr val="000000"/>
                   </a:solidFill>
@@ -3539,7 +3540,7 @@
             </a:ln>
             <a:extLst>
               <a:ext uri="{91240B29-F687-4f45-9708-019B960494DF}">
-                <a14:hiddenLine xmlns="" xmlns:a14="http://schemas.microsoft.com/office/drawing/2010/main" w="9525">
+                <a14:hiddenLine xmlns:a14="http://schemas.microsoft.com/office/drawing/2010/main" xmlns="" w="9525">
                   <a:solidFill>
                     <a:srgbClr val="000000"/>
                   </a:solidFill>
@@ -3629,7 +3630,7 @@
             </a:ln>
             <a:extLst>
               <a:ext uri="{91240B29-F687-4f45-9708-019B960494DF}">
-                <a14:hiddenLine xmlns="" xmlns:a14="http://schemas.microsoft.com/office/drawing/2010/main" w="9525">
+                <a14:hiddenLine xmlns:a14="http://schemas.microsoft.com/office/drawing/2010/main" xmlns="" w="9525">
                   <a:solidFill>
                     <a:srgbClr val="000000"/>
                   </a:solidFill>
@@ -3694,7 +3695,7 @@
             </a:ln>
             <a:extLst>
               <a:ext uri="{91240B29-F687-4f45-9708-019B960494DF}">
-                <a14:hiddenLine xmlns="" xmlns:a14="http://schemas.microsoft.com/office/drawing/2010/main" w="9525">
+                <a14:hiddenLine xmlns:a14="http://schemas.microsoft.com/office/drawing/2010/main" xmlns="" w="9525">
                   <a:solidFill>
                     <a:srgbClr val="000000"/>
                   </a:solidFill>
@@ -3756,7 +3757,7 @@
             </a:ln>
             <a:extLst>
               <a:ext uri="{91240B29-F687-4f45-9708-019B960494DF}">
-                <a14:hiddenLine xmlns="" xmlns:a14="http://schemas.microsoft.com/office/drawing/2010/main" w="9525">
+                <a14:hiddenLine xmlns:a14="http://schemas.microsoft.com/office/drawing/2010/main" xmlns="" w="9525">
                   <a:solidFill>
                     <a:srgbClr val="000000"/>
                   </a:solidFill>
@@ -3846,7 +3847,7 @@
             </a:ln>
             <a:extLst>
               <a:ext uri="{91240B29-F687-4f45-9708-019B960494DF}">
-                <a14:hiddenLine xmlns="" xmlns:a14="http://schemas.microsoft.com/office/drawing/2010/main" w="9525">
+                <a14:hiddenLine xmlns:a14="http://schemas.microsoft.com/office/drawing/2010/main" xmlns="" w="9525">
                   <a:solidFill>
                     <a:srgbClr val="000000"/>
                   </a:solidFill>
@@ -3936,7 +3937,7 @@
             </a:ln>
             <a:extLst>
               <a:ext uri="{91240B29-F687-4f45-9708-019B960494DF}">
-                <a14:hiddenLine xmlns="" xmlns:a14="http://schemas.microsoft.com/office/drawing/2010/main" w="9525">
+                <a14:hiddenLine xmlns:a14="http://schemas.microsoft.com/office/drawing/2010/main" xmlns="" w="9525">
                   <a:solidFill>
                     <a:srgbClr val="000000"/>
                   </a:solidFill>
@@ -3998,7 +3999,7 @@
             </a:ln>
             <a:extLst>
               <a:ext uri="{91240B29-F687-4f45-9708-019B960494DF}">
-                <a14:hiddenLine xmlns="" xmlns:a14="http://schemas.microsoft.com/office/drawing/2010/main" w="9525">
+                <a14:hiddenLine xmlns:a14="http://schemas.microsoft.com/office/drawing/2010/main" xmlns="" w="9525">
                   <a:solidFill>
                     <a:srgbClr val="000000"/>
                   </a:solidFill>
@@ -4118,7 +4119,7 @@
             </a:ln>
             <a:extLst>
               <a:ext uri="{91240B29-F687-4f45-9708-019B960494DF}">
-                <a14:hiddenLine xmlns="" xmlns:a14="http://schemas.microsoft.com/office/drawing/2010/main" w="9525">
+                <a14:hiddenLine xmlns:a14="http://schemas.microsoft.com/office/drawing/2010/main" xmlns="" w="9525">
                   <a:solidFill>
                     <a:srgbClr val="000000"/>
                   </a:solidFill>
@@ -4186,7 +4187,7 @@
             </a:ln>
             <a:extLst>
               <a:ext uri="{91240B29-F687-4f45-9708-019B960494DF}">
-                <a14:hiddenLine xmlns="" xmlns:a14="http://schemas.microsoft.com/office/drawing/2010/main" w="9525">
+                <a14:hiddenLine xmlns:a14="http://schemas.microsoft.com/office/drawing/2010/main" xmlns="" w="9525">
                   <a:solidFill>
                     <a:srgbClr val="000000"/>
                   </a:solidFill>
@@ -4276,7 +4277,7 @@
             </a:ln>
             <a:extLst>
               <a:ext uri="{91240B29-F687-4f45-9708-019B960494DF}">
-                <a14:hiddenLine xmlns="" xmlns:a14="http://schemas.microsoft.com/office/drawing/2010/main" w="9525">
+                <a14:hiddenLine xmlns:a14="http://schemas.microsoft.com/office/drawing/2010/main" xmlns="" w="9525">
                   <a:solidFill>
                     <a:srgbClr val="000000"/>
                   </a:solidFill>
@@ -8998,7 +8999,7 @@
           <a:noFill/>
           <a:extLst>
             <a:ext uri="{909E8E84-426E-40dd-AFC4-6F175D3DCCD1}">
-              <a14:hiddenFill xmlns="" xmlns:a14="http://schemas.microsoft.com/office/drawing/2010/main">
+              <a14:hiddenFill xmlns:a14="http://schemas.microsoft.com/office/drawing/2010/main" xmlns="">
                 <a:solidFill>
                   <a:srgbClr val="FFFFFF"/>
                 </a:solidFill>
@@ -9072,7 +9073,7 @@
               </a:ln>
               <a:extLst>
                 <a:ext uri="{91240B29-F687-4f45-9708-019B960494DF}">
-                  <a14:hiddenLine xmlns="" xmlns:a14="http://schemas.microsoft.com/office/drawing/2010/main" w="9525">
+                  <a14:hiddenLine xmlns:a14="http://schemas.microsoft.com/office/drawing/2010/main" xmlns="" w="9525">
                     <a:solidFill>
                       <a:srgbClr val="000000"/>
                     </a:solidFill>
@@ -9162,7 +9163,7 @@
               </a:ln>
               <a:extLst>
                 <a:ext uri="{91240B29-F687-4f45-9708-019B960494DF}">
-                  <a14:hiddenLine xmlns="" xmlns:a14="http://schemas.microsoft.com/office/drawing/2010/main" w="9525">
+                  <a14:hiddenLine xmlns:a14="http://schemas.microsoft.com/office/drawing/2010/main" xmlns="" w="9525">
                     <a:solidFill>
                       <a:srgbClr val="000000"/>
                     </a:solidFill>
@@ -9252,7 +9253,7 @@
               </a:ln>
               <a:extLst>
                 <a:ext uri="{91240B29-F687-4f45-9708-019B960494DF}">
-                  <a14:hiddenLine xmlns="" xmlns:a14="http://schemas.microsoft.com/office/drawing/2010/main" w="9525">
+                  <a14:hiddenLine xmlns:a14="http://schemas.microsoft.com/office/drawing/2010/main" xmlns="" w="9525">
                     <a:solidFill>
                       <a:srgbClr val="000000"/>
                     </a:solidFill>
@@ -9314,7 +9315,7 @@
               </a:ln>
               <a:extLst>
                 <a:ext uri="{91240B29-F687-4f45-9708-019B960494DF}">
-                  <a14:hiddenLine xmlns="" xmlns:a14="http://schemas.microsoft.com/office/drawing/2010/main" w="9525">
+                  <a14:hiddenLine xmlns:a14="http://schemas.microsoft.com/office/drawing/2010/main" xmlns="" w="9525">
                     <a:solidFill>
                       <a:srgbClr val="000000"/>
                     </a:solidFill>
@@ -9404,7 +9405,7 @@
               </a:ln>
               <a:extLst>
                 <a:ext uri="{91240B29-F687-4f45-9708-019B960494DF}">
-                  <a14:hiddenLine xmlns="" xmlns:a14="http://schemas.microsoft.com/office/drawing/2010/main" w="9525">
+                  <a14:hiddenLine xmlns:a14="http://schemas.microsoft.com/office/drawing/2010/main" xmlns="" w="9525">
                     <a:solidFill>
                       <a:srgbClr val="000000"/>
                     </a:solidFill>
@@ -9466,7 +9467,7 @@
               </a:ln>
               <a:extLst>
                 <a:ext uri="{91240B29-F687-4f45-9708-019B960494DF}">
-                  <a14:hiddenLine xmlns="" xmlns:a14="http://schemas.microsoft.com/office/drawing/2010/main" w="9525">
+                  <a14:hiddenLine xmlns:a14="http://schemas.microsoft.com/office/drawing/2010/main" xmlns="" w="9525">
                     <a:solidFill>
                       <a:srgbClr val="000000"/>
                     </a:solidFill>
@@ -9528,7 +9529,7 @@
               </a:ln>
               <a:extLst>
                 <a:ext uri="{91240B29-F687-4f45-9708-019B960494DF}">
-                  <a14:hiddenLine xmlns="" xmlns:a14="http://schemas.microsoft.com/office/drawing/2010/main" w="9525">
+                  <a14:hiddenLine xmlns:a14="http://schemas.microsoft.com/office/drawing/2010/main" xmlns="" w="9525">
                     <a:solidFill>
                       <a:srgbClr val="000000"/>
                     </a:solidFill>
@@ -9618,7 +9619,7 @@
               </a:ln>
               <a:extLst>
                 <a:ext uri="{91240B29-F687-4f45-9708-019B960494DF}">
-                  <a14:hiddenLine xmlns="" xmlns:a14="http://schemas.microsoft.com/office/drawing/2010/main" w="9525">
+                  <a14:hiddenLine xmlns:a14="http://schemas.microsoft.com/office/drawing/2010/main" xmlns="" w="9525">
                     <a:solidFill>
                       <a:srgbClr val="000000"/>
                     </a:solidFill>
@@ -9708,7 +9709,7 @@
               </a:ln>
               <a:extLst>
                 <a:ext uri="{91240B29-F687-4f45-9708-019B960494DF}">
-                  <a14:hiddenLine xmlns="" xmlns:a14="http://schemas.microsoft.com/office/drawing/2010/main" w="9525">
+                  <a14:hiddenLine xmlns:a14="http://schemas.microsoft.com/office/drawing/2010/main" xmlns="" w="9525">
                     <a:solidFill>
                       <a:srgbClr val="000000"/>
                     </a:solidFill>
@@ -9770,7 +9771,7 @@
               </a:ln>
               <a:extLst>
                 <a:ext uri="{91240B29-F687-4f45-9708-019B960494DF}">
-                  <a14:hiddenLine xmlns="" xmlns:a14="http://schemas.microsoft.com/office/drawing/2010/main" w="9525">
+                  <a14:hiddenLine xmlns:a14="http://schemas.microsoft.com/office/drawing/2010/main" xmlns="" w="9525">
                     <a:solidFill>
                       <a:srgbClr val="000000"/>
                     </a:solidFill>
@@ -9880,7 +9881,7 @@
               </a:ln>
               <a:extLst>
                 <a:ext uri="{91240B29-F687-4f45-9708-019B960494DF}">
-                  <a14:hiddenLine xmlns="" xmlns:a14="http://schemas.microsoft.com/office/drawing/2010/main" w="9525">
+                  <a14:hiddenLine xmlns:a14="http://schemas.microsoft.com/office/drawing/2010/main" xmlns="" w="9525">
                     <a:solidFill>
                       <a:srgbClr val="000000"/>
                     </a:solidFill>
@@ -9964,7 +9965,7 @@
               </a:ln>
               <a:extLst>
                 <a:ext uri="{91240B29-F687-4f45-9708-019B960494DF}">
-                  <a14:hiddenLine xmlns="" xmlns:a14="http://schemas.microsoft.com/office/drawing/2010/main" w="9525">
+                  <a14:hiddenLine xmlns:a14="http://schemas.microsoft.com/office/drawing/2010/main" xmlns="" w="9525">
                     <a:solidFill>
                       <a:srgbClr val="000000"/>
                     </a:solidFill>
@@ -10026,7 +10027,7 @@
               </a:ln>
               <a:extLst>
                 <a:ext uri="{91240B29-F687-4f45-9708-019B960494DF}">
-                  <a14:hiddenLine xmlns="" xmlns:a14="http://schemas.microsoft.com/office/drawing/2010/main" w="9525">
+                  <a14:hiddenLine xmlns:a14="http://schemas.microsoft.com/office/drawing/2010/main" xmlns="" w="9525">
                     <a:solidFill>
                       <a:srgbClr val="000000"/>
                     </a:solidFill>
@@ -10088,7 +10089,7 @@
               </a:ln>
               <a:extLst>
                 <a:ext uri="{91240B29-F687-4f45-9708-019B960494DF}">
-                  <a14:hiddenLine xmlns="" xmlns:a14="http://schemas.microsoft.com/office/drawing/2010/main" w="9525">
+                  <a14:hiddenLine xmlns:a14="http://schemas.microsoft.com/office/drawing/2010/main" xmlns="" w="9525">
                     <a:solidFill>
                       <a:srgbClr val="000000"/>
                     </a:solidFill>
@@ -10178,7 +10179,7 @@
               </a:ln>
               <a:extLst>
                 <a:ext uri="{91240B29-F687-4f45-9708-019B960494DF}">
-                  <a14:hiddenLine xmlns="" xmlns:a14="http://schemas.microsoft.com/office/drawing/2010/main" w="9525">
+                  <a14:hiddenLine xmlns:a14="http://schemas.microsoft.com/office/drawing/2010/main" xmlns="" w="9525">
                     <a:solidFill>
                       <a:srgbClr val="000000"/>
                     </a:solidFill>
@@ -10212,7 +10213,7 @@
               </a:ln>
               <a:extLst>
                 <a:ext uri="{91240B29-F687-4f45-9708-019B960494DF}">
-                  <a14:hiddenLine xmlns="" xmlns:a14="http://schemas.microsoft.com/office/drawing/2010/main" w="9525">
+                  <a14:hiddenLine xmlns:a14="http://schemas.microsoft.com/office/drawing/2010/main" xmlns="" w="9525">
                     <a:solidFill>
                       <a:srgbClr val="000000"/>
                     </a:solidFill>
@@ -10277,7 +10278,7 @@
               </a:ln>
               <a:extLst>
                 <a:ext uri="{91240B29-F687-4f45-9708-019B960494DF}">
-                  <a14:hiddenLine xmlns="" xmlns:a14="http://schemas.microsoft.com/office/drawing/2010/main" w="9525">
+                  <a14:hiddenLine xmlns:a14="http://schemas.microsoft.com/office/drawing/2010/main" xmlns="" w="9525">
                     <a:solidFill>
                       <a:srgbClr val="000000"/>
                     </a:solidFill>
@@ -10367,7 +10368,7 @@
               </a:ln>
               <a:extLst>
                 <a:ext uri="{91240B29-F687-4f45-9708-019B960494DF}">
-                  <a14:hiddenLine xmlns="" xmlns:a14="http://schemas.microsoft.com/office/drawing/2010/main" w="9525">
+                  <a14:hiddenLine xmlns:a14="http://schemas.microsoft.com/office/drawing/2010/main" xmlns="" w="9525">
                     <a:solidFill>
                       <a:srgbClr val="000000"/>
                     </a:solidFill>
@@ -10429,7 +10430,7 @@
               </a:ln>
               <a:extLst>
                 <a:ext uri="{91240B29-F687-4f45-9708-019B960494DF}">
-                  <a14:hiddenLine xmlns="" xmlns:a14="http://schemas.microsoft.com/office/drawing/2010/main" w="9525">
+                  <a14:hiddenLine xmlns:a14="http://schemas.microsoft.com/office/drawing/2010/main" xmlns="" w="9525">
                     <a:solidFill>
                       <a:srgbClr val="000000"/>
                     </a:solidFill>
@@ -10519,7 +10520,7 @@
               </a:ln>
               <a:extLst>
                 <a:ext uri="{91240B29-F687-4f45-9708-019B960494DF}">
-                  <a14:hiddenLine xmlns="" xmlns:a14="http://schemas.microsoft.com/office/drawing/2010/main" w="9525">
+                  <a14:hiddenLine xmlns:a14="http://schemas.microsoft.com/office/drawing/2010/main" xmlns="" w="9525">
                     <a:solidFill>
                       <a:srgbClr val="000000"/>
                     </a:solidFill>
@@ -10584,7 +10585,7 @@
               </a:ln>
               <a:extLst>
                 <a:ext uri="{91240B29-F687-4f45-9708-019B960494DF}">
-                  <a14:hiddenLine xmlns="" xmlns:a14="http://schemas.microsoft.com/office/drawing/2010/main" w="9525">
+                  <a14:hiddenLine xmlns:a14="http://schemas.microsoft.com/office/drawing/2010/main" xmlns="" w="9525">
                     <a:solidFill>
                       <a:srgbClr val="000000"/>
                     </a:solidFill>
@@ -10646,7 +10647,7 @@
               </a:ln>
               <a:extLst>
                 <a:ext uri="{91240B29-F687-4f45-9708-019B960494DF}">
-                  <a14:hiddenLine xmlns="" xmlns:a14="http://schemas.microsoft.com/office/drawing/2010/main" w="9525">
+                  <a14:hiddenLine xmlns:a14="http://schemas.microsoft.com/office/drawing/2010/main" xmlns="" w="9525">
                     <a:solidFill>
                       <a:srgbClr val="000000"/>
                     </a:solidFill>
@@ -10736,7 +10737,7 @@
               </a:ln>
               <a:extLst>
                 <a:ext uri="{91240B29-F687-4f45-9708-019B960494DF}">
-                  <a14:hiddenLine xmlns="" xmlns:a14="http://schemas.microsoft.com/office/drawing/2010/main" w="9525">
+                  <a14:hiddenLine xmlns:a14="http://schemas.microsoft.com/office/drawing/2010/main" xmlns="" w="9525">
                     <a:solidFill>
                       <a:srgbClr val="000000"/>
                     </a:solidFill>
@@ -10826,7 +10827,7 @@
               </a:ln>
               <a:extLst>
                 <a:ext uri="{91240B29-F687-4f45-9708-019B960494DF}">
-                  <a14:hiddenLine xmlns="" xmlns:a14="http://schemas.microsoft.com/office/drawing/2010/main" w="9525">
+                  <a14:hiddenLine xmlns:a14="http://schemas.microsoft.com/office/drawing/2010/main" xmlns="" w="9525">
                     <a:solidFill>
                       <a:srgbClr val="000000"/>
                     </a:solidFill>
@@ -10891,7 +10892,7 @@
               </a:ln>
               <a:extLst>
                 <a:ext uri="{91240B29-F687-4f45-9708-019B960494DF}">
-                  <a14:hiddenLine xmlns="" xmlns:a14="http://schemas.microsoft.com/office/drawing/2010/main" w="9525">
+                  <a14:hiddenLine xmlns:a14="http://schemas.microsoft.com/office/drawing/2010/main" xmlns="" w="9525">
                     <a:solidFill>
                       <a:srgbClr val="000000"/>
                     </a:solidFill>
@@ -11011,7 +11012,7 @@
               </a:ln>
               <a:extLst>
                 <a:ext uri="{91240B29-F687-4f45-9708-019B960494DF}">
-                  <a14:hiddenLine xmlns="" xmlns:a14="http://schemas.microsoft.com/office/drawing/2010/main" w="9525">
+                  <a14:hiddenLine xmlns:a14="http://schemas.microsoft.com/office/drawing/2010/main" xmlns="" w="9525">
                     <a:solidFill>
                       <a:srgbClr val="000000"/>
                     </a:solidFill>
@@ -11109,7 +11110,7 @@
               </a:ln>
               <a:extLst>
                 <a:ext uri="{91240B29-F687-4f45-9708-019B960494DF}">
-                  <a14:hiddenLine xmlns="" xmlns:a14="http://schemas.microsoft.com/office/drawing/2010/main" w="9525">
+                  <a14:hiddenLine xmlns:a14="http://schemas.microsoft.com/office/drawing/2010/main" xmlns="" w="9525">
                     <a:solidFill>
                       <a:srgbClr val="000000"/>
                     </a:solidFill>
@@ -11224,7 +11225,7 @@
               </a:ln>
               <a:extLst>
                 <a:ext uri="{91240B29-F687-4f45-9708-019B960494DF}">
-                  <a14:hiddenLine xmlns="" xmlns:a14="http://schemas.microsoft.com/office/drawing/2010/main" w="9525">
+                  <a14:hiddenLine xmlns:a14="http://schemas.microsoft.com/office/drawing/2010/main" xmlns="" w="9525">
                     <a:solidFill>
                       <a:srgbClr val="000000"/>
                     </a:solidFill>
@@ -11314,7 +11315,7 @@
               </a:ln>
               <a:extLst>
                 <a:ext uri="{91240B29-F687-4f45-9708-019B960494DF}">
-                  <a14:hiddenLine xmlns="" xmlns:a14="http://schemas.microsoft.com/office/drawing/2010/main" w="9525">
+                  <a14:hiddenLine xmlns:a14="http://schemas.microsoft.com/office/drawing/2010/main" xmlns="" w="9525">
                     <a:solidFill>
                       <a:srgbClr val="000000"/>
                     </a:solidFill>
@@ -11379,7 +11380,7 @@
               </a:ln>
               <a:extLst>
                 <a:ext uri="{91240B29-F687-4f45-9708-019B960494DF}">
-                  <a14:hiddenLine xmlns="" xmlns:a14="http://schemas.microsoft.com/office/drawing/2010/main" w="9525">
+                  <a14:hiddenLine xmlns:a14="http://schemas.microsoft.com/office/drawing/2010/main" xmlns="" w="9525">
                     <a:solidFill>
                       <a:srgbClr val="000000"/>
                     </a:solidFill>
@@ -11469,7 +11470,7 @@
               </a:ln>
               <a:extLst>
                 <a:ext uri="{91240B29-F687-4f45-9708-019B960494DF}">
-                  <a14:hiddenLine xmlns="" xmlns:a14="http://schemas.microsoft.com/office/drawing/2010/main" w="9525">
+                  <a14:hiddenLine xmlns:a14="http://schemas.microsoft.com/office/drawing/2010/main" xmlns="" w="9525">
                     <a:solidFill>
                       <a:srgbClr val="000000"/>
                     </a:solidFill>
@@ -11537,7 +11538,7 @@
               </a:ln>
               <a:extLst>
                 <a:ext uri="{91240B29-F687-4f45-9708-019B960494DF}">
-                  <a14:hiddenLine xmlns="" xmlns:a14="http://schemas.microsoft.com/office/drawing/2010/main" w="9525">
+                  <a14:hiddenLine xmlns:a14="http://schemas.microsoft.com/office/drawing/2010/main" xmlns="" w="9525">
                     <a:solidFill>
                       <a:srgbClr val="000000"/>
                     </a:solidFill>
@@ -11627,7 +11628,7 @@
               </a:ln>
               <a:extLst>
                 <a:ext uri="{91240B29-F687-4f45-9708-019B960494DF}">
-                  <a14:hiddenLine xmlns="" xmlns:a14="http://schemas.microsoft.com/office/drawing/2010/main" w="9525">
+                  <a14:hiddenLine xmlns:a14="http://schemas.microsoft.com/office/drawing/2010/main" xmlns="" w="9525">
                     <a:solidFill>
                       <a:srgbClr val="000000"/>
                     </a:solidFill>
@@ -11695,7 +11696,7 @@
               </a:ln>
               <a:extLst>
                 <a:ext uri="{91240B29-F687-4f45-9708-019B960494DF}">
-                  <a14:hiddenLine xmlns="" xmlns:a14="http://schemas.microsoft.com/office/drawing/2010/main" w="9525">
+                  <a14:hiddenLine xmlns:a14="http://schemas.microsoft.com/office/drawing/2010/main" xmlns="" w="9525">
                     <a:solidFill>
                       <a:srgbClr val="000000"/>
                     </a:solidFill>
@@ -11785,7 +11786,7 @@
               </a:ln>
               <a:extLst>
                 <a:ext uri="{91240B29-F687-4f45-9708-019B960494DF}">
-                  <a14:hiddenLine xmlns="" xmlns:a14="http://schemas.microsoft.com/office/drawing/2010/main" w="9525">
+                  <a14:hiddenLine xmlns:a14="http://schemas.microsoft.com/office/drawing/2010/main" xmlns="" w="9525">
                     <a:solidFill>
                       <a:srgbClr val="000000"/>
                     </a:solidFill>
@@ -11819,7 +11820,7 @@
               </a:ln>
               <a:extLst>
                 <a:ext uri="{91240B29-F687-4f45-9708-019B960494DF}">
-                  <a14:hiddenLine xmlns="" xmlns:a14="http://schemas.microsoft.com/office/drawing/2010/main" w="9525">
+                  <a14:hiddenLine xmlns:a14="http://schemas.microsoft.com/office/drawing/2010/main" xmlns="" w="9525">
                     <a:solidFill>
                       <a:srgbClr val="000000"/>
                     </a:solidFill>
@@ -12682,6 +12683,235 @@
           <p:cNvPr id="2" name="Título 1">
             <a:extLst>
               <a:ext uri="{FF2B5EF4-FFF2-40B4-BE49-F238E27FC236}">
+                <a16:creationId xmlns:a16="http://schemas.microsoft.com/office/drawing/2014/main" id="{28C4A8C5-7910-4493-B08D-352B75EACBF1}"/>
+              </a:ext>
+            </a:extLst>
+          </p:cNvPr>
+          <p:cNvSpPr>
+            <a:spLocks noGrp="1"/>
+          </p:cNvSpPr>
+          <p:nvPr>
+            <p:ph type="title"/>
+          </p:nvPr>
+        </p:nvSpPr>
+        <p:spPr/>
+        <p:txBody>
+          <a:bodyPr/>
+          <a:lstStyle/>
+          <a:p>
+            <a:r>
+              <a:rPr lang="pt-BR" dirty="0"/>
+              <a:t>Dfd – nv1 p2</a:t>
+            </a:r>
+          </a:p>
+        </p:txBody>
+      </p:sp>
+      <p:pic>
+        <p:nvPicPr>
+          <p:cNvPr id="5" name="Espaço Reservado para Conteúdo 4">
+            <a:extLst>
+              <a:ext uri="{FF2B5EF4-FFF2-40B4-BE49-F238E27FC236}">
+                <a16:creationId xmlns:a16="http://schemas.microsoft.com/office/drawing/2014/main" id="{19D28FBE-22CB-4251-BCB7-52780490EEBF}"/>
+              </a:ext>
+            </a:extLst>
+          </p:cNvPr>
+          <p:cNvPicPr>
+            <a:picLocks noGrp="1" noChangeAspect="1"/>
+          </p:cNvPicPr>
+          <p:nvPr>
+            <p:ph idx="1"/>
+          </p:nvPr>
+        </p:nvPicPr>
+        <p:blipFill>
+          <a:blip r:embed="rId2"/>
+          <a:stretch>
+            <a:fillRect/>
+          </a:stretch>
+        </p:blipFill>
+        <p:spPr>
+          <a:xfrm>
+            <a:off x="2649614" y="2249488"/>
+            <a:ext cx="6889598" cy="3541712"/>
+          </a:xfrm>
+        </p:spPr>
+      </p:pic>
+    </p:spTree>
+    <p:extLst>
+      <p:ext uri="{BB962C8B-B14F-4D97-AF65-F5344CB8AC3E}">
+        <p14:creationId xmlns:p14="http://schemas.microsoft.com/office/powerpoint/2010/main" val="3312437207"/>
+      </p:ext>
+    </p:extLst>
+  </p:cSld>
+  <p:clrMapOvr>
+    <a:masterClrMapping/>
+  </p:clrMapOvr>
+  <p:transition spd="slow">
+    <p:wipe/>
+  </p:transition>
+  <p:timing>
+    <p:tnLst>
+      <p:par>
+        <p:cTn id="1" dur="indefinite" restart="never" nodeType="tmRoot">
+          <p:childTnLst>
+            <p:seq concurrent="1" nextAc="seek">
+              <p:cTn id="2" dur="indefinite" nodeType="mainSeq">
+                <p:childTnLst>
+                  <p:par>
+                    <p:cTn id="3" fill="hold">
+                      <p:stCondLst>
+                        <p:cond delay="indefinite"/>
+                      </p:stCondLst>
+                      <p:childTnLst>
+                        <p:par>
+                          <p:cTn id="4" fill="hold">
+                            <p:stCondLst>
+                              <p:cond delay="0"/>
+                            </p:stCondLst>
+                            <p:childTnLst>
+                              <p:par>
+                                <p:cTn id="5" presetID="10" presetClass="entr" presetSubtype="0" fill="hold" grpId="0" nodeType="clickEffect">
+                                  <p:stCondLst>
+                                    <p:cond delay="0"/>
+                                  </p:stCondLst>
+                                  <p:childTnLst>
+                                    <p:set>
+                                      <p:cBhvr>
+                                        <p:cTn id="6" dur="1" fill="hold">
+                                          <p:stCondLst>
+                                            <p:cond delay="0"/>
+                                          </p:stCondLst>
+                                        </p:cTn>
+                                        <p:tgtEl>
+                                          <p:spTgt spid="2"/>
+                                        </p:tgtEl>
+                                        <p:attrNameLst>
+                                          <p:attrName>style.visibility</p:attrName>
+                                        </p:attrNameLst>
+                                      </p:cBhvr>
+                                      <p:to>
+                                        <p:strVal val="visible"/>
+                                      </p:to>
+                                    </p:set>
+                                    <p:animEffect transition="in" filter="fade">
+                                      <p:cBhvr>
+                                        <p:cTn id="7" dur="500"/>
+                                        <p:tgtEl>
+                                          <p:spTgt spid="2"/>
+                                        </p:tgtEl>
+                                      </p:cBhvr>
+                                    </p:animEffect>
+                                  </p:childTnLst>
+                                </p:cTn>
+                              </p:par>
+                            </p:childTnLst>
+                          </p:cTn>
+                        </p:par>
+                      </p:childTnLst>
+                    </p:cTn>
+                  </p:par>
+                  <p:par>
+                    <p:cTn id="8" fill="hold">
+                      <p:stCondLst>
+                        <p:cond delay="indefinite"/>
+                      </p:stCondLst>
+                      <p:childTnLst>
+                        <p:par>
+                          <p:cTn id="9" fill="hold">
+                            <p:stCondLst>
+                              <p:cond delay="0"/>
+                            </p:stCondLst>
+                            <p:childTnLst>
+                              <p:par>
+                                <p:cTn id="10" presetID="10" presetClass="entr" presetSubtype="0" fill="hold" nodeType="clickEffect">
+                                  <p:stCondLst>
+                                    <p:cond delay="0"/>
+                                  </p:stCondLst>
+                                  <p:childTnLst>
+                                    <p:set>
+                                      <p:cBhvr>
+                                        <p:cTn id="11" dur="1" fill="hold">
+                                          <p:stCondLst>
+                                            <p:cond delay="0"/>
+                                          </p:stCondLst>
+                                        </p:cTn>
+                                        <p:tgtEl>
+                                          <p:spTgt spid="5"/>
+                                        </p:tgtEl>
+                                        <p:attrNameLst>
+                                          <p:attrName>style.visibility</p:attrName>
+                                        </p:attrNameLst>
+                                      </p:cBhvr>
+                                      <p:to>
+                                        <p:strVal val="visible"/>
+                                      </p:to>
+                                    </p:set>
+                                    <p:animEffect transition="in" filter="fade">
+                                      <p:cBhvr>
+                                        <p:cTn id="12" dur="500"/>
+                                        <p:tgtEl>
+                                          <p:spTgt spid="5"/>
+                                        </p:tgtEl>
+                                      </p:cBhvr>
+                                    </p:animEffect>
+                                  </p:childTnLst>
+                                </p:cTn>
+                              </p:par>
+                            </p:childTnLst>
+                          </p:cTn>
+                        </p:par>
+                      </p:childTnLst>
+                    </p:cTn>
+                  </p:par>
+                </p:childTnLst>
+              </p:cTn>
+              <p:prevCondLst>
+                <p:cond evt="onPrev" delay="0">
+                  <p:tgtEl>
+                    <p:sldTgt/>
+                  </p:tgtEl>
+                </p:cond>
+              </p:prevCondLst>
+              <p:nextCondLst>
+                <p:cond evt="onNext" delay="0">
+                  <p:tgtEl>
+                    <p:sldTgt/>
+                  </p:tgtEl>
+                </p:cond>
+              </p:nextCondLst>
+            </p:seq>
+          </p:childTnLst>
+        </p:cTn>
+      </p:par>
+    </p:tnLst>
+    <p:bldLst>
+      <p:bldP spid="2" grpId="0"/>
+    </p:bldLst>
+  </p:timing>
+</p:sld>
+</file>
+
+<file path=ppt/slides/slide11.xml><?xml version="1.0" encoding="utf-8"?>
+<p:sld xmlns:a="http://schemas.openxmlformats.org/drawingml/2006/main" xmlns:r="http://schemas.openxmlformats.org/officeDocument/2006/relationships" xmlns:p="http://schemas.openxmlformats.org/presentationml/2006/main">
+  <p:cSld>
+    <p:spTree>
+      <p:nvGrpSpPr>
+        <p:cNvPr id="1" name=""/>
+        <p:cNvGrpSpPr/>
+        <p:nvPr/>
+      </p:nvGrpSpPr>
+      <p:grpSpPr>
+        <a:xfrm>
+          <a:off x="0" y="0"/>
+          <a:ext cx="0" cy="0"/>
+          <a:chOff x="0" y="0"/>
+          <a:chExt cx="0" cy="0"/>
+        </a:xfrm>
+      </p:grpSpPr>
+      <p:sp>
+        <p:nvSpPr>
+          <p:cNvPr id="2" name="Título 1">
+            <a:extLst>
+              <a:ext uri="{FF2B5EF4-FFF2-40B4-BE49-F238E27FC236}">
                 <a16:creationId xmlns:a16="http://schemas.microsoft.com/office/drawing/2014/main" id="{A3509EB7-8D54-4C91-BE47-E19C91AEB516}"/>
               </a:ext>
             </a:extLst>
@@ -12889,7 +13119,7 @@
 </p:sld>
 </file>
 
-<file path=ppt/slides/slide11.xml><?xml version="1.0" encoding="utf-8"?>
+<file path=ppt/slides/slide12.xml><?xml version="1.0" encoding="utf-8"?>
 <p:sld xmlns:a="http://schemas.openxmlformats.org/drawingml/2006/main" xmlns:r="http://schemas.openxmlformats.org/officeDocument/2006/relationships" xmlns:p="http://schemas.openxmlformats.org/presentationml/2006/main">
   <p:cSld>
     <p:spTree>
@@ -13118,7 +13348,7 @@
 </p:sld>
 </file>
 
-<file path=ppt/slides/slide12.xml><?xml version="1.0" encoding="utf-8"?>
+<file path=ppt/slides/slide13.xml><?xml version="1.0" encoding="utf-8"?>
 <p:sld xmlns:a="http://schemas.openxmlformats.org/drawingml/2006/main" xmlns:r="http://schemas.openxmlformats.org/officeDocument/2006/relationships" xmlns:p="http://schemas.openxmlformats.org/presentationml/2006/main">
   <p:cSld>
     <p:spTree>
@@ -13291,7 +13521,7 @@
 </p:sld>
 </file>
 
-<file path=ppt/slides/slide13.xml><?xml version="1.0" encoding="utf-8"?>
+<file path=ppt/slides/slide14.xml><?xml version="1.0" encoding="utf-8"?>
 <p:sld xmlns:a="http://schemas.openxmlformats.org/drawingml/2006/main" xmlns:r="http://schemas.openxmlformats.org/officeDocument/2006/relationships" xmlns:p="http://schemas.openxmlformats.org/presentationml/2006/main">
   <p:cSld>
     <p:spTree>
@@ -13464,7 +13694,7 @@
 </p:sld>
 </file>
 
-<file path=ppt/slides/slide14.xml><?xml version="1.0" encoding="utf-8"?>
+<file path=ppt/slides/slide15.xml><?xml version="1.0" encoding="utf-8"?>
 <p:sld xmlns:a="http://schemas.openxmlformats.org/drawingml/2006/main" xmlns:r="http://schemas.openxmlformats.org/officeDocument/2006/relationships" xmlns:p="http://schemas.openxmlformats.org/presentationml/2006/main">
   <p:cSld>
     <p:spTree>
@@ -13693,7 +13923,7 @@
 </p:sld>
 </file>
 
-<file path=ppt/slides/slide15.xml><?xml version="1.0" encoding="utf-8"?>
+<file path=ppt/slides/slide16.xml><?xml version="1.0" encoding="utf-8"?>
 <p:sld xmlns:a="http://schemas.openxmlformats.org/drawingml/2006/main" xmlns:r="http://schemas.openxmlformats.org/officeDocument/2006/relationships" xmlns:p="http://schemas.openxmlformats.org/presentationml/2006/main">
   <p:cSld>
     <p:spTree>
@@ -13922,7 +14152,7 @@
 </p:sld>
 </file>
 
-<file path=ppt/slides/slide16.xml><?xml version="1.0" encoding="utf-8"?>
+<file path=ppt/slides/slide17.xml><?xml version="1.0" encoding="utf-8"?>
 <p:sld xmlns:a="http://schemas.openxmlformats.org/drawingml/2006/main" xmlns:r="http://schemas.openxmlformats.org/officeDocument/2006/relationships" xmlns:p="http://schemas.openxmlformats.org/presentationml/2006/main">
   <p:cSld>
     <p:spTree>
@@ -14234,7 +14464,7 @@
 </p:sld>
 </file>
 
-<file path=ppt/slides/slide17.xml><?xml version="1.0" encoding="utf-8"?>
+<file path=ppt/slides/slide18.xml><?xml version="1.0" encoding="utf-8"?>
 <p:sld xmlns:a="http://schemas.openxmlformats.org/drawingml/2006/main" xmlns:r="http://schemas.openxmlformats.org/officeDocument/2006/relationships" xmlns:p="http://schemas.openxmlformats.org/presentationml/2006/main">
   <p:cSld>
     <p:spTree>
@@ -14546,7 +14776,7 @@
 </p:sld>
 </file>
 
-<file path=ppt/slides/slide18.xml><?xml version="1.0" encoding="utf-8"?>
+<file path=ppt/slides/slide19.xml><?xml version="1.0" encoding="utf-8"?>
 <p:sld xmlns:a="http://schemas.openxmlformats.org/drawingml/2006/main" xmlns:r="http://schemas.openxmlformats.org/officeDocument/2006/relationships" xmlns:p="http://schemas.openxmlformats.org/presentationml/2006/main">
   <p:cSld>
     <p:spTree>
@@ -14654,318 +14884,6 @@
     <p:extLst>
       <p:ext uri="{BB962C8B-B14F-4D97-AF65-F5344CB8AC3E}">
         <p14:creationId xmlns:p14="http://schemas.microsoft.com/office/powerpoint/2010/main" val="3583441419"/>
-      </p:ext>
-    </p:extLst>
-  </p:cSld>
-  <p:clrMapOvr>
-    <a:masterClrMapping/>
-  </p:clrMapOvr>
-  <p:transition spd="slow">
-    <p:wipe/>
-  </p:transition>
-  <p:timing>
-    <p:tnLst>
-      <p:par>
-        <p:cTn id="1" dur="indefinite" restart="never" nodeType="tmRoot">
-          <p:childTnLst>
-            <p:seq concurrent="1" nextAc="seek">
-              <p:cTn id="2" dur="indefinite" nodeType="mainSeq">
-                <p:childTnLst>
-                  <p:par>
-                    <p:cTn id="3" fill="hold">
-                      <p:stCondLst>
-                        <p:cond delay="indefinite"/>
-                      </p:stCondLst>
-                      <p:childTnLst>
-                        <p:par>
-                          <p:cTn id="4" fill="hold">
-                            <p:stCondLst>
-                              <p:cond delay="0"/>
-                            </p:stCondLst>
-                            <p:childTnLst>
-                              <p:par>
-                                <p:cTn id="5" presetID="10" presetClass="entr" presetSubtype="0" fill="hold" grpId="0" nodeType="clickEffect">
-                                  <p:stCondLst>
-                                    <p:cond delay="0"/>
-                                  </p:stCondLst>
-                                  <p:childTnLst>
-                                    <p:set>
-                                      <p:cBhvr>
-                                        <p:cTn id="6" dur="1" fill="hold">
-                                          <p:stCondLst>
-                                            <p:cond delay="0"/>
-                                          </p:stCondLst>
-                                        </p:cTn>
-                                        <p:tgtEl>
-                                          <p:spTgt spid="2"/>
-                                        </p:tgtEl>
-                                        <p:attrNameLst>
-                                          <p:attrName>style.visibility</p:attrName>
-                                        </p:attrNameLst>
-                                      </p:cBhvr>
-                                      <p:to>
-                                        <p:strVal val="visible"/>
-                                      </p:to>
-                                    </p:set>
-                                    <p:animEffect transition="in" filter="fade">
-                                      <p:cBhvr>
-                                        <p:cTn id="7" dur="500"/>
-                                        <p:tgtEl>
-                                          <p:spTgt spid="2"/>
-                                        </p:tgtEl>
-                                      </p:cBhvr>
-                                    </p:animEffect>
-                                  </p:childTnLst>
-                                </p:cTn>
-                              </p:par>
-                            </p:childTnLst>
-                          </p:cTn>
-                        </p:par>
-                      </p:childTnLst>
-                    </p:cTn>
-                  </p:par>
-                  <p:par>
-                    <p:cTn id="8" fill="hold">
-                      <p:stCondLst>
-                        <p:cond delay="indefinite"/>
-                      </p:stCondLst>
-                      <p:childTnLst>
-                        <p:par>
-                          <p:cTn id="9" fill="hold">
-                            <p:stCondLst>
-                              <p:cond delay="0"/>
-                            </p:stCondLst>
-                            <p:childTnLst>
-                              <p:par>
-                                <p:cTn id="10" presetID="10" presetClass="entr" presetSubtype="0" fill="hold" nodeType="clickEffect">
-                                  <p:stCondLst>
-                                    <p:cond delay="0"/>
-                                  </p:stCondLst>
-                                  <p:childTnLst>
-                                    <p:set>
-                                      <p:cBhvr>
-                                        <p:cTn id="11" dur="1" fill="hold">
-                                          <p:stCondLst>
-                                            <p:cond delay="0"/>
-                                          </p:stCondLst>
-                                        </p:cTn>
-                                        <p:tgtEl>
-                                          <p:spTgt spid="5"/>
-                                        </p:tgtEl>
-                                        <p:attrNameLst>
-                                          <p:attrName>style.visibility</p:attrName>
-                                        </p:attrNameLst>
-                                      </p:cBhvr>
-                                      <p:to>
-                                        <p:strVal val="visible"/>
-                                      </p:to>
-                                    </p:set>
-                                    <p:animEffect transition="in" filter="fade">
-                                      <p:cBhvr>
-                                        <p:cTn id="12" dur="500"/>
-                                        <p:tgtEl>
-                                          <p:spTgt spid="5"/>
-                                        </p:tgtEl>
-                                      </p:cBhvr>
-                                    </p:animEffect>
-                                  </p:childTnLst>
-                                </p:cTn>
-                              </p:par>
-                            </p:childTnLst>
-                          </p:cTn>
-                        </p:par>
-                      </p:childTnLst>
-                    </p:cTn>
-                  </p:par>
-                  <p:par>
-                    <p:cTn id="13" fill="hold">
-                      <p:stCondLst>
-                        <p:cond delay="indefinite"/>
-                      </p:stCondLst>
-                      <p:childTnLst>
-                        <p:par>
-                          <p:cTn id="14" fill="hold">
-                            <p:stCondLst>
-                              <p:cond delay="0"/>
-                            </p:stCondLst>
-                            <p:childTnLst>
-                              <p:par>
-                                <p:cTn id="15" presetID="10" presetClass="entr" presetSubtype="0" fill="hold" nodeType="clickEffect">
-                                  <p:stCondLst>
-                                    <p:cond delay="0"/>
-                                  </p:stCondLst>
-                                  <p:childTnLst>
-                                    <p:set>
-                                      <p:cBhvr>
-                                        <p:cTn id="16" dur="1" fill="hold">
-                                          <p:stCondLst>
-                                            <p:cond delay="0"/>
-                                          </p:stCondLst>
-                                        </p:cTn>
-                                        <p:tgtEl>
-                                          <p:spTgt spid="7"/>
-                                        </p:tgtEl>
-                                        <p:attrNameLst>
-                                          <p:attrName>style.visibility</p:attrName>
-                                        </p:attrNameLst>
-                                      </p:cBhvr>
-                                      <p:to>
-                                        <p:strVal val="visible"/>
-                                      </p:to>
-                                    </p:set>
-                                    <p:animEffect transition="in" filter="fade">
-                                      <p:cBhvr>
-                                        <p:cTn id="17" dur="500"/>
-                                        <p:tgtEl>
-                                          <p:spTgt spid="7"/>
-                                        </p:tgtEl>
-                                      </p:cBhvr>
-                                    </p:animEffect>
-                                  </p:childTnLst>
-                                </p:cTn>
-                              </p:par>
-                            </p:childTnLst>
-                          </p:cTn>
-                        </p:par>
-                      </p:childTnLst>
-                    </p:cTn>
-                  </p:par>
-                </p:childTnLst>
-              </p:cTn>
-              <p:prevCondLst>
-                <p:cond evt="onPrev" delay="0">
-                  <p:tgtEl>
-                    <p:sldTgt/>
-                  </p:tgtEl>
-                </p:cond>
-              </p:prevCondLst>
-              <p:nextCondLst>
-                <p:cond evt="onNext" delay="0">
-                  <p:tgtEl>
-                    <p:sldTgt/>
-                  </p:tgtEl>
-                </p:cond>
-              </p:nextCondLst>
-            </p:seq>
-          </p:childTnLst>
-        </p:cTn>
-      </p:par>
-    </p:tnLst>
-    <p:bldLst>
-      <p:bldP spid="2" grpId="0"/>
-    </p:bldLst>
-  </p:timing>
-</p:sld>
-</file>
-
-<file path=ppt/slides/slide19.xml><?xml version="1.0" encoding="utf-8"?>
-<p:sld xmlns:a="http://schemas.openxmlformats.org/drawingml/2006/main" xmlns:r="http://schemas.openxmlformats.org/officeDocument/2006/relationships" xmlns:p="http://schemas.openxmlformats.org/presentationml/2006/main">
-  <p:cSld>
-    <p:spTree>
-      <p:nvGrpSpPr>
-        <p:cNvPr id="1" name=""/>
-        <p:cNvGrpSpPr/>
-        <p:nvPr/>
-      </p:nvGrpSpPr>
-      <p:grpSpPr>
-        <a:xfrm>
-          <a:off x="0" y="0"/>
-          <a:ext cx="0" cy="0"/>
-          <a:chOff x="0" y="0"/>
-          <a:chExt cx="0" cy="0"/>
-        </a:xfrm>
-      </p:grpSpPr>
-      <p:sp>
-        <p:nvSpPr>
-          <p:cNvPr id="2" name="Título 1">
-            <a:extLst>
-              <a:ext uri="{FF2B5EF4-FFF2-40B4-BE49-F238E27FC236}">
-                <a16:creationId xmlns:a16="http://schemas.microsoft.com/office/drawing/2014/main" id="{9733535B-B75B-4BC5-B017-2E6D03E40F3B}"/>
-              </a:ext>
-            </a:extLst>
-          </p:cNvPr>
-          <p:cNvSpPr>
-            <a:spLocks noGrp="1"/>
-          </p:cNvSpPr>
-          <p:nvPr>
-            <p:ph type="title"/>
-          </p:nvPr>
-        </p:nvSpPr>
-        <p:spPr/>
-        <p:txBody>
-          <a:bodyPr/>
-          <a:lstStyle/>
-          <a:p>
-            <a:r>
-              <a:rPr lang="pt-BR" dirty="0"/>
-              <a:t>Caso de uso – cadastro de fornecedor</a:t>
-            </a:r>
-          </a:p>
-        </p:txBody>
-      </p:sp>
-      <p:pic>
-        <p:nvPicPr>
-          <p:cNvPr id="5" name="Espaço Reservado para Conteúdo 4">
-            <a:extLst>
-              <a:ext uri="{FF2B5EF4-FFF2-40B4-BE49-F238E27FC236}">
-                <a16:creationId xmlns:a16="http://schemas.microsoft.com/office/drawing/2014/main" id="{CFAF43B9-946F-4D57-8EAC-60000010D7CA}"/>
-              </a:ext>
-            </a:extLst>
-          </p:cNvPr>
-          <p:cNvPicPr>
-            <a:picLocks noGrp="1" noChangeAspect="1"/>
-          </p:cNvPicPr>
-          <p:nvPr>
-            <p:ph idx="1"/>
-          </p:nvPr>
-        </p:nvPicPr>
-        <p:blipFill>
-          <a:blip r:embed="rId2"/>
-          <a:stretch>
-            <a:fillRect/>
-          </a:stretch>
-        </p:blipFill>
-        <p:spPr>
-          <a:xfrm>
-            <a:off x="1141413" y="2097088"/>
-            <a:ext cx="3690640" cy="3541712"/>
-          </a:xfrm>
-        </p:spPr>
-      </p:pic>
-      <p:pic>
-        <p:nvPicPr>
-          <p:cNvPr id="7" name="Imagem 6">
-            <a:extLst>
-              <a:ext uri="{FF2B5EF4-FFF2-40B4-BE49-F238E27FC236}">
-                <a16:creationId xmlns:a16="http://schemas.microsoft.com/office/drawing/2014/main" id="{413E7296-2231-4529-8A84-481BDC7CFC0B}"/>
-              </a:ext>
-            </a:extLst>
-          </p:cNvPr>
-          <p:cNvPicPr>
-            <a:picLocks noChangeAspect="1"/>
-          </p:cNvPicPr>
-          <p:nvPr/>
-        </p:nvPicPr>
-        <p:blipFill>
-          <a:blip r:embed="rId3"/>
-          <a:stretch>
-            <a:fillRect/>
-          </a:stretch>
-        </p:blipFill>
-        <p:spPr>
-          <a:xfrm>
-            <a:off x="4832053" y="2097088"/>
-            <a:ext cx="6215359" cy="3541712"/>
-          </a:xfrm>
-          <a:prstGeom prst="rect">
-            <a:avLst/>
-          </a:prstGeom>
-        </p:spPr>
-      </p:pic>
-    </p:spTree>
-    <p:extLst>
-      <p:ext uri="{BB962C8B-B14F-4D97-AF65-F5344CB8AC3E}">
-        <p14:creationId xmlns:p14="http://schemas.microsoft.com/office/powerpoint/2010/main" val="1730575964"/>
       </p:ext>
     </p:extLst>
   </p:cSld>
@@ -15633,6 +15551,318 @@
           <p:cNvPr id="2" name="Título 1">
             <a:extLst>
               <a:ext uri="{FF2B5EF4-FFF2-40B4-BE49-F238E27FC236}">
+                <a16:creationId xmlns:a16="http://schemas.microsoft.com/office/drawing/2014/main" id="{9733535B-B75B-4BC5-B017-2E6D03E40F3B}"/>
+              </a:ext>
+            </a:extLst>
+          </p:cNvPr>
+          <p:cNvSpPr>
+            <a:spLocks noGrp="1"/>
+          </p:cNvSpPr>
+          <p:nvPr>
+            <p:ph type="title"/>
+          </p:nvPr>
+        </p:nvSpPr>
+        <p:spPr/>
+        <p:txBody>
+          <a:bodyPr/>
+          <a:lstStyle/>
+          <a:p>
+            <a:r>
+              <a:rPr lang="pt-BR" dirty="0"/>
+              <a:t>Caso de uso – cadastro de fornecedor</a:t>
+            </a:r>
+          </a:p>
+        </p:txBody>
+      </p:sp>
+      <p:pic>
+        <p:nvPicPr>
+          <p:cNvPr id="5" name="Espaço Reservado para Conteúdo 4">
+            <a:extLst>
+              <a:ext uri="{FF2B5EF4-FFF2-40B4-BE49-F238E27FC236}">
+                <a16:creationId xmlns:a16="http://schemas.microsoft.com/office/drawing/2014/main" id="{CFAF43B9-946F-4D57-8EAC-60000010D7CA}"/>
+              </a:ext>
+            </a:extLst>
+          </p:cNvPr>
+          <p:cNvPicPr>
+            <a:picLocks noGrp="1" noChangeAspect="1"/>
+          </p:cNvPicPr>
+          <p:nvPr>
+            <p:ph idx="1"/>
+          </p:nvPr>
+        </p:nvPicPr>
+        <p:blipFill>
+          <a:blip r:embed="rId2"/>
+          <a:stretch>
+            <a:fillRect/>
+          </a:stretch>
+        </p:blipFill>
+        <p:spPr>
+          <a:xfrm>
+            <a:off x="1141413" y="2097088"/>
+            <a:ext cx="3690640" cy="3541712"/>
+          </a:xfrm>
+        </p:spPr>
+      </p:pic>
+      <p:pic>
+        <p:nvPicPr>
+          <p:cNvPr id="7" name="Imagem 6">
+            <a:extLst>
+              <a:ext uri="{FF2B5EF4-FFF2-40B4-BE49-F238E27FC236}">
+                <a16:creationId xmlns:a16="http://schemas.microsoft.com/office/drawing/2014/main" id="{413E7296-2231-4529-8A84-481BDC7CFC0B}"/>
+              </a:ext>
+            </a:extLst>
+          </p:cNvPr>
+          <p:cNvPicPr>
+            <a:picLocks noChangeAspect="1"/>
+          </p:cNvPicPr>
+          <p:nvPr/>
+        </p:nvPicPr>
+        <p:blipFill>
+          <a:blip r:embed="rId3"/>
+          <a:stretch>
+            <a:fillRect/>
+          </a:stretch>
+        </p:blipFill>
+        <p:spPr>
+          <a:xfrm>
+            <a:off x="4832053" y="2097088"/>
+            <a:ext cx="6215359" cy="3541712"/>
+          </a:xfrm>
+          <a:prstGeom prst="rect">
+            <a:avLst/>
+          </a:prstGeom>
+        </p:spPr>
+      </p:pic>
+    </p:spTree>
+    <p:extLst>
+      <p:ext uri="{BB962C8B-B14F-4D97-AF65-F5344CB8AC3E}">
+        <p14:creationId xmlns:p14="http://schemas.microsoft.com/office/powerpoint/2010/main" val="1730575964"/>
+      </p:ext>
+    </p:extLst>
+  </p:cSld>
+  <p:clrMapOvr>
+    <a:masterClrMapping/>
+  </p:clrMapOvr>
+  <p:transition spd="slow">
+    <p:wipe/>
+  </p:transition>
+  <p:timing>
+    <p:tnLst>
+      <p:par>
+        <p:cTn id="1" dur="indefinite" restart="never" nodeType="tmRoot">
+          <p:childTnLst>
+            <p:seq concurrent="1" nextAc="seek">
+              <p:cTn id="2" dur="indefinite" nodeType="mainSeq">
+                <p:childTnLst>
+                  <p:par>
+                    <p:cTn id="3" fill="hold">
+                      <p:stCondLst>
+                        <p:cond delay="indefinite"/>
+                      </p:stCondLst>
+                      <p:childTnLst>
+                        <p:par>
+                          <p:cTn id="4" fill="hold">
+                            <p:stCondLst>
+                              <p:cond delay="0"/>
+                            </p:stCondLst>
+                            <p:childTnLst>
+                              <p:par>
+                                <p:cTn id="5" presetID="10" presetClass="entr" presetSubtype="0" fill="hold" grpId="0" nodeType="clickEffect">
+                                  <p:stCondLst>
+                                    <p:cond delay="0"/>
+                                  </p:stCondLst>
+                                  <p:childTnLst>
+                                    <p:set>
+                                      <p:cBhvr>
+                                        <p:cTn id="6" dur="1" fill="hold">
+                                          <p:stCondLst>
+                                            <p:cond delay="0"/>
+                                          </p:stCondLst>
+                                        </p:cTn>
+                                        <p:tgtEl>
+                                          <p:spTgt spid="2"/>
+                                        </p:tgtEl>
+                                        <p:attrNameLst>
+                                          <p:attrName>style.visibility</p:attrName>
+                                        </p:attrNameLst>
+                                      </p:cBhvr>
+                                      <p:to>
+                                        <p:strVal val="visible"/>
+                                      </p:to>
+                                    </p:set>
+                                    <p:animEffect transition="in" filter="fade">
+                                      <p:cBhvr>
+                                        <p:cTn id="7" dur="500"/>
+                                        <p:tgtEl>
+                                          <p:spTgt spid="2"/>
+                                        </p:tgtEl>
+                                      </p:cBhvr>
+                                    </p:animEffect>
+                                  </p:childTnLst>
+                                </p:cTn>
+                              </p:par>
+                            </p:childTnLst>
+                          </p:cTn>
+                        </p:par>
+                      </p:childTnLst>
+                    </p:cTn>
+                  </p:par>
+                  <p:par>
+                    <p:cTn id="8" fill="hold">
+                      <p:stCondLst>
+                        <p:cond delay="indefinite"/>
+                      </p:stCondLst>
+                      <p:childTnLst>
+                        <p:par>
+                          <p:cTn id="9" fill="hold">
+                            <p:stCondLst>
+                              <p:cond delay="0"/>
+                            </p:stCondLst>
+                            <p:childTnLst>
+                              <p:par>
+                                <p:cTn id="10" presetID="10" presetClass="entr" presetSubtype="0" fill="hold" nodeType="clickEffect">
+                                  <p:stCondLst>
+                                    <p:cond delay="0"/>
+                                  </p:stCondLst>
+                                  <p:childTnLst>
+                                    <p:set>
+                                      <p:cBhvr>
+                                        <p:cTn id="11" dur="1" fill="hold">
+                                          <p:stCondLst>
+                                            <p:cond delay="0"/>
+                                          </p:stCondLst>
+                                        </p:cTn>
+                                        <p:tgtEl>
+                                          <p:spTgt spid="5"/>
+                                        </p:tgtEl>
+                                        <p:attrNameLst>
+                                          <p:attrName>style.visibility</p:attrName>
+                                        </p:attrNameLst>
+                                      </p:cBhvr>
+                                      <p:to>
+                                        <p:strVal val="visible"/>
+                                      </p:to>
+                                    </p:set>
+                                    <p:animEffect transition="in" filter="fade">
+                                      <p:cBhvr>
+                                        <p:cTn id="12" dur="500"/>
+                                        <p:tgtEl>
+                                          <p:spTgt spid="5"/>
+                                        </p:tgtEl>
+                                      </p:cBhvr>
+                                    </p:animEffect>
+                                  </p:childTnLst>
+                                </p:cTn>
+                              </p:par>
+                            </p:childTnLst>
+                          </p:cTn>
+                        </p:par>
+                      </p:childTnLst>
+                    </p:cTn>
+                  </p:par>
+                  <p:par>
+                    <p:cTn id="13" fill="hold">
+                      <p:stCondLst>
+                        <p:cond delay="indefinite"/>
+                      </p:stCondLst>
+                      <p:childTnLst>
+                        <p:par>
+                          <p:cTn id="14" fill="hold">
+                            <p:stCondLst>
+                              <p:cond delay="0"/>
+                            </p:stCondLst>
+                            <p:childTnLst>
+                              <p:par>
+                                <p:cTn id="15" presetID="10" presetClass="entr" presetSubtype="0" fill="hold" nodeType="clickEffect">
+                                  <p:stCondLst>
+                                    <p:cond delay="0"/>
+                                  </p:stCondLst>
+                                  <p:childTnLst>
+                                    <p:set>
+                                      <p:cBhvr>
+                                        <p:cTn id="16" dur="1" fill="hold">
+                                          <p:stCondLst>
+                                            <p:cond delay="0"/>
+                                          </p:stCondLst>
+                                        </p:cTn>
+                                        <p:tgtEl>
+                                          <p:spTgt spid="7"/>
+                                        </p:tgtEl>
+                                        <p:attrNameLst>
+                                          <p:attrName>style.visibility</p:attrName>
+                                        </p:attrNameLst>
+                                      </p:cBhvr>
+                                      <p:to>
+                                        <p:strVal val="visible"/>
+                                      </p:to>
+                                    </p:set>
+                                    <p:animEffect transition="in" filter="fade">
+                                      <p:cBhvr>
+                                        <p:cTn id="17" dur="500"/>
+                                        <p:tgtEl>
+                                          <p:spTgt spid="7"/>
+                                        </p:tgtEl>
+                                      </p:cBhvr>
+                                    </p:animEffect>
+                                  </p:childTnLst>
+                                </p:cTn>
+                              </p:par>
+                            </p:childTnLst>
+                          </p:cTn>
+                        </p:par>
+                      </p:childTnLst>
+                    </p:cTn>
+                  </p:par>
+                </p:childTnLst>
+              </p:cTn>
+              <p:prevCondLst>
+                <p:cond evt="onPrev" delay="0">
+                  <p:tgtEl>
+                    <p:sldTgt/>
+                  </p:tgtEl>
+                </p:cond>
+              </p:prevCondLst>
+              <p:nextCondLst>
+                <p:cond evt="onNext" delay="0">
+                  <p:tgtEl>
+                    <p:sldTgt/>
+                  </p:tgtEl>
+                </p:cond>
+              </p:nextCondLst>
+            </p:seq>
+          </p:childTnLst>
+        </p:cTn>
+      </p:par>
+    </p:tnLst>
+    <p:bldLst>
+      <p:bldP spid="2" grpId="0"/>
+    </p:bldLst>
+  </p:timing>
+</p:sld>
+</file>
+
+<file path=ppt/slides/slide21.xml><?xml version="1.0" encoding="utf-8"?>
+<p:sld xmlns:a="http://schemas.openxmlformats.org/drawingml/2006/main" xmlns:r="http://schemas.openxmlformats.org/officeDocument/2006/relationships" xmlns:p="http://schemas.openxmlformats.org/presentationml/2006/main">
+  <p:cSld>
+    <p:spTree>
+      <p:nvGrpSpPr>
+        <p:cNvPr id="1" name=""/>
+        <p:cNvGrpSpPr/>
+        <p:nvPr/>
+      </p:nvGrpSpPr>
+      <p:grpSpPr>
+        <a:xfrm>
+          <a:off x="0" y="0"/>
+          <a:ext cx="0" cy="0"/>
+          <a:chOff x="0" y="0"/>
+          <a:chExt cx="0" cy="0"/>
+        </a:xfrm>
+      </p:grpSpPr>
+      <p:sp>
+        <p:nvSpPr>
+          <p:cNvPr id="2" name="Título 1">
+            <a:extLst>
+              <a:ext uri="{FF2B5EF4-FFF2-40B4-BE49-F238E27FC236}">
                 <a16:creationId xmlns:a16="http://schemas.microsoft.com/office/drawing/2014/main" id="{BA5717DC-19AB-4D1C-8CD6-D7CFBF390059}"/>
               </a:ext>
             </a:extLst>
@@ -15847,7 +16077,7 @@
 </p:sld>
 </file>
 
-<file path=ppt/slides/slide21.xml><?xml version="1.0" encoding="utf-8"?>
+<file path=ppt/slides/slide22.xml><?xml version="1.0" encoding="utf-8"?>
 <p:sld xmlns:a="http://schemas.openxmlformats.org/drawingml/2006/main" xmlns:r="http://schemas.openxmlformats.org/officeDocument/2006/relationships" xmlns:p="http://schemas.openxmlformats.org/presentationml/2006/main">
   <p:cSld>
     <p:spTree>
@@ -16028,7 +16258,7 @@
 </p:sld>
 </file>
 
-<file path=ppt/slides/slide22.xml><?xml version="1.0" encoding="utf-8"?>
+<file path=ppt/slides/slide23.xml><?xml version="1.0" encoding="utf-8"?>
 <p:sld xmlns:a="http://schemas.openxmlformats.org/drawingml/2006/main" xmlns:r="http://schemas.openxmlformats.org/officeDocument/2006/relationships" xmlns:p="http://schemas.openxmlformats.org/presentationml/2006/main">
   <p:cSld>
     <p:spTree>
@@ -16208,7 +16438,7 @@
 </p:sld>
 </file>
 
-<file path=ppt/slides/slide23.xml><?xml version="1.0" encoding="utf-8"?>
+<file path=ppt/slides/slide24.xml><?xml version="1.0" encoding="utf-8"?>
 <p:sld xmlns:a="http://schemas.openxmlformats.org/drawingml/2006/main" xmlns:r="http://schemas.openxmlformats.org/officeDocument/2006/relationships" xmlns:p="http://schemas.openxmlformats.org/presentationml/2006/main">
   <p:cSld>
     <p:spTree>
@@ -16388,7 +16618,7 @@
 </p:sld>
 </file>
 
-<file path=ppt/slides/slide24.xml><?xml version="1.0" encoding="utf-8"?>
+<file path=ppt/slides/slide25.xml><?xml version="1.0" encoding="utf-8"?>
 <p:sld xmlns:a="http://schemas.openxmlformats.org/drawingml/2006/main" xmlns:r="http://schemas.openxmlformats.org/officeDocument/2006/relationships" xmlns:p="http://schemas.openxmlformats.org/presentationml/2006/main">
   <p:cSld>
     <p:spTree>
@@ -16568,7 +16798,7 @@
 </p:sld>
 </file>
 
-<file path=ppt/slides/slide25.xml><?xml version="1.0" encoding="utf-8"?>
+<file path=ppt/slides/slide26.xml><?xml version="1.0" encoding="utf-8"?>
 <p:sld xmlns:a="http://schemas.openxmlformats.org/drawingml/2006/main" xmlns:r="http://schemas.openxmlformats.org/officeDocument/2006/relationships" xmlns:p="http://schemas.openxmlformats.org/presentationml/2006/main">
   <p:cSld>
     <p:spTree>
@@ -18688,6 +18918,554 @@
           <p:cNvPr id="2" name="Título 1">
             <a:extLst>
               <a:ext uri="{FF2B5EF4-FFF2-40B4-BE49-F238E27FC236}">
+                <a16:creationId xmlns:a16="http://schemas.microsoft.com/office/drawing/2014/main" id="{7596289E-6656-43DA-8755-9E624079352E}"/>
+              </a:ext>
+            </a:extLst>
+          </p:cNvPr>
+          <p:cNvSpPr>
+            <a:spLocks noGrp="1"/>
+          </p:cNvSpPr>
+          <p:nvPr>
+            <p:ph type="title"/>
+          </p:nvPr>
+        </p:nvSpPr>
+        <p:spPr/>
+        <p:txBody>
+          <a:bodyPr/>
+          <a:lstStyle/>
+          <a:p>
+            <a:r>
+              <a:rPr lang="pt-BR" dirty="0"/>
+              <a:t>Sprint</a:t>
+            </a:r>
+          </a:p>
+        </p:txBody>
+      </p:sp>
+      <p:graphicFrame>
+        <p:nvGraphicFramePr>
+          <p:cNvPr id="4" name="Espaço Reservado para Conteúdo 3">
+            <a:extLst>
+              <a:ext uri="{FF2B5EF4-FFF2-40B4-BE49-F238E27FC236}">
+                <a16:creationId xmlns:a16="http://schemas.microsoft.com/office/drawing/2014/main" id="{7C8EDC92-D67C-4E2F-82AA-00649499674D}"/>
+              </a:ext>
+            </a:extLst>
+          </p:cNvPr>
+          <p:cNvGraphicFramePr>
+            <a:graphicFrameLocks noGrp="1"/>
+          </p:cNvGraphicFramePr>
+          <p:nvPr>
+            <p:ph idx="1"/>
+            <p:extLst>
+              <p:ext uri="{D42A27DB-BD31-4B8C-83A1-F6EECF244321}">
+                <p14:modId xmlns:p14="http://schemas.microsoft.com/office/powerpoint/2010/main" val="134725090"/>
+              </p:ext>
+            </p:extLst>
+          </p:nvPr>
+        </p:nvGraphicFramePr>
+        <p:xfrm>
+          <a:off x="1141413" y="2249488"/>
+          <a:ext cx="9906000" cy="3337560"/>
+        </p:xfrm>
+        <a:graphic>
+          <a:graphicData uri="http://schemas.openxmlformats.org/drawingml/2006/table">
+            <a:tbl>
+              <a:tblPr firstRow="1" bandRow="1">
+                <a:tableStyleId>{5C22544A-7EE6-4342-B048-85BDC9FD1C3A}</a:tableStyleId>
+              </a:tblPr>
+              <a:tblGrid>
+                <a:gridCol w="4953000">
+                  <a:extLst>
+                    <a:ext uri="{9D8B030D-6E8A-4147-A177-3AD203B41FA5}">
+                      <a16:colId xmlns:a16="http://schemas.microsoft.com/office/drawing/2014/main" val="3571740030"/>
+                    </a:ext>
+                  </a:extLst>
+                </a:gridCol>
+                <a:gridCol w="4953000">
+                  <a:extLst>
+                    <a:ext uri="{9D8B030D-6E8A-4147-A177-3AD203B41FA5}">
+                      <a16:colId xmlns:a16="http://schemas.microsoft.com/office/drawing/2014/main" val="586518041"/>
+                    </a:ext>
+                  </a:extLst>
+                </a:gridCol>
+              </a:tblGrid>
+              <a:tr h="370840">
+                <a:tc>
+                  <a:txBody>
+                    <a:bodyPr/>
+                    <a:lstStyle/>
+                    <a:p>
+                      <a:r>
+                        <a:rPr lang="pt-BR" dirty="0"/>
+                        <a:t>Sprints</a:t>
+                      </a:r>
+                    </a:p>
+                  </a:txBody>
+                  <a:tcPr/>
+                </a:tc>
+                <a:tc>
+                  <a:txBody>
+                    <a:bodyPr/>
+                    <a:lstStyle/>
+                    <a:p>
+                      <a:r>
+                        <a:rPr lang="pt-BR" dirty="0"/>
+                        <a:t>Afazeres</a:t>
+                      </a:r>
+                    </a:p>
+                  </a:txBody>
+                  <a:tcPr/>
+                </a:tc>
+                <a:extLst>
+                  <a:ext uri="{0D108BD9-81ED-4DB2-BD59-A6C34878D82A}">
+                    <a16:rowId xmlns:a16="http://schemas.microsoft.com/office/drawing/2014/main" val="715519133"/>
+                  </a:ext>
+                </a:extLst>
+              </a:tr>
+              <a:tr h="370840">
+                <a:tc>
+                  <a:txBody>
+                    <a:bodyPr/>
+                    <a:lstStyle/>
+                    <a:p>
+                      <a:r>
+                        <a:rPr lang="pt-BR" dirty="0"/>
+                        <a:t>Sprint 1</a:t>
+                      </a:r>
+                    </a:p>
+                  </a:txBody>
+                  <a:tcPr/>
+                </a:tc>
+                <a:tc>
+                  <a:txBody>
+                    <a:bodyPr/>
+                    <a:lstStyle/>
+                    <a:p>
+                      <a:r>
+                        <a:rPr lang="pt-BR" dirty="0"/>
+                        <a:t>Levantamento de requisitos</a:t>
+                      </a:r>
+                    </a:p>
+                  </a:txBody>
+                  <a:tcPr/>
+                </a:tc>
+                <a:extLst>
+                  <a:ext uri="{0D108BD9-81ED-4DB2-BD59-A6C34878D82A}">
+                    <a16:rowId xmlns:a16="http://schemas.microsoft.com/office/drawing/2014/main" val="4097054427"/>
+                  </a:ext>
+                </a:extLst>
+              </a:tr>
+              <a:tr h="370840">
+                <a:tc>
+                  <a:txBody>
+                    <a:bodyPr/>
+                    <a:lstStyle/>
+                    <a:p>
+                      <a:r>
+                        <a:rPr lang="pt-BR" dirty="0"/>
+                        <a:t>Sprint 2</a:t>
+                      </a:r>
+                    </a:p>
+                  </a:txBody>
+                  <a:tcPr/>
+                </a:tc>
+                <a:tc>
+                  <a:txBody>
+                    <a:bodyPr/>
+                    <a:lstStyle/>
+                    <a:p>
+                      <a:r>
+                        <a:rPr lang="pt-BR" dirty="0"/>
+                        <a:t>Desenvolvimento dos diagramas</a:t>
+                      </a:r>
+                    </a:p>
+                  </a:txBody>
+                  <a:tcPr/>
+                </a:tc>
+                <a:extLst>
+                  <a:ext uri="{0D108BD9-81ED-4DB2-BD59-A6C34878D82A}">
+                    <a16:rowId xmlns:a16="http://schemas.microsoft.com/office/drawing/2014/main" val="814689092"/>
+                  </a:ext>
+                </a:extLst>
+              </a:tr>
+              <a:tr h="370840">
+                <a:tc>
+                  <a:txBody>
+                    <a:bodyPr/>
+                    <a:lstStyle/>
+                    <a:p>
+                      <a:r>
+                        <a:rPr lang="pt-BR" dirty="0"/>
+                        <a:t>Sprint 3</a:t>
+                      </a:r>
+                    </a:p>
+                  </a:txBody>
+                  <a:tcPr/>
+                </a:tc>
+                <a:tc>
+                  <a:txBody>
+                    <a:bodyPr/>
+                    <a:lstStyle/>
+                    <a:p>
+                      <a:r>
+                        <a:rPr lang="pt-BR" dirty="0"/>
+                        <a:t>Validação dos requisitos</a:t>
+                      </a:r>
+                    </a:p>
+                  </a:txBody>
+                  <a:tcPr/>
+                </a:tc>
+                <a:extLst>
+                  <a:ext uri="{0D108BD9-81ED-4DB2-BD59-A6C34878D82A}">
+                    <a16:rowId xmlns:a16="http://schemas.microsoft.com/office/drawing/2014/main" val="2903112718"/>
+                  </a:ext>
+                </a:extLst>
+              </a:tr>
+              <a:tr h="370840">
+                <a:tc>
+                  <a:txBody>
+                    <a:bodyPr/>
+                    <a:lstStyle/>
+                    <a:p>
+                      <a:r>
+                        <a:rPr lang="pt-BR" dirty="0"/>
+                        <a:t>Sprint 4</a:t>
+                      </a:r>
+                    </a:p>
+                  </a:txBody>
+                  <a:tcPr/>
+                </a:tc>
+                <a:tc>
+                  <a:txBody>
+                    <a:bodyPr/>
+                    <a:lstStyle/>
+                    <a:p>
+                      <a:r>
+                        <a:rPr lang="pt-BR" dirty="0"/>
+                        <a:t>Prototipação do software e correção de diagramas</a:t>
+                      </a:r>
+                    </a:p>
+                  </a:txBody>
+                  <a:tcPr/>
+                </a:tc>
+                <a:extLst>
+                  <a:ext uri="{0D108BD9-81ED-4DB2-BD59-A6C34878D82A}">
+                    <a16:rowId xmlns:a16="http://schemas.microsoft.com/office/drawing/2014/main" val="3331567368"/>
+                  </a:ext>
+                </a:extLst>
+              </a:tr>
+              <a:tr h="370840">
+                <a:tc>
+                  <a:txBody>
+                    <a:bodyPr/>
+                    <a:lstStyle/>
+                    <a:p>
+                      <a:r>
+                        <a:rPr lang="pt-BR" dirty="0"/>
+                        <a:t>Sprint 5</a:t>
+                      </a:r>
+                    </a:p>
+                  </a:txBody>
+                  <a:tcPr/>
+                </a:tc>
+                <a:tc>
+                  <a:txBody>
+                    <a:bodyPr/>
+                    <a:lstStyle/>
+                    <a:p>
+                      <a:r>
+                        <a:rPr lang="pt-BR" dirty="0"/>
+                        <a:t>Especificação dos Requisitos</a:t>
+                      </a:r>
+                    </a:p>
+                  </a:txBody>
+                  <a:tcPr/>
+                </a:tc>
+                <a:extLst>
+                  <a:ext uri="{0D108BD9-81ED-4DB2-BD59-A6C34878D82A}">
+                    <a16:rowId xmlns:a16="http://schemas.microsoft.com/office/drawing/2014/main" val="3543634428"/>
+                  </a:ext>
+                </a:extLst>
+              </a:tr>
+              <a:tr h="370840">
+                <a:tc>
+                  <a:txBody>
+                    <a:bodyPr/>
+                    <a:lstStyle/>
+                    <a:p>
+                      <a:r>
+                        <a:rPr lang="pt-BR" dirty="0"/>
+                        <a:t>Sprint 6</a:t>
+                      </a:r>
+                    </a:p>
+                  </a:txBody>
+                  <a:tcPr/>
+                </a:tc>
+                <a:tc>
+                  <a:txBody>
+                    <a:bodyPr/>
+                    <a:lstStyle/>
+                    <a:p>
+                      <a:r>
+                        <a:rPr lang="pt-BR" dirty="0"/>
+                        <a:t>Implementação do software</a:t>
+                      </a:r>
+                    </a:p>
+                  </a:txBody>
+                  <a:tcPr/>
+                </a:tc>
+                <a:extLst>
+                  <a:ext uri="{0D108BD9-81ED-4DB2-BD59-A6C34878D82A}">
+                    <a16:rowId xmlns:a16="http://schemas.microsoft.com/office/drawing/2014/main" val="993855221"/>
+                  </a:ext>
+                </a:extLst>
+              </a:tr>
+              <a:tr h="370840">
+                <a:tc>
+                  <a:txBody>
+                    <a:bodyPr/>
+                    <a:lstStyle/>
+                    <a:p>
+                      <a:r>
+                        <a:rPr lang="pt-BR" dirty="0"/>
+                        <a:t>Sprint 7</a:t>
+                      </a:r>
+                    </a:p>
+                  </a:txBody>
+                  <a:tcPr/>
+                </a:tc>
+                <a:tc>
+                  <a:txBody>
+                    <a:bodyPr/>
+                    <a:lstStyle/>
+                    <a:p>
+                      <a:r>
+                        <a:rPr lang="pt-BR" dirty="0"/>
+                        <a:t>Revisão da Especificação dos Requisitos</a:t>
+                      </a:r>
+                    </a:p>
+                  </a:txBody>
+                  <a:tcPr/>
+                </a:tc>
+                <a:extLst>
+                  <a:ext uri="{0D108BD9-81ED-4DB2-BD59-A6C34878D82A}">
+                    <a16:rowId xmlns:a16="http://schemas.microsoft.com/office/drawing/2014/main" val="220586299"/>
+                  </a:ext>
+                </a:extLst>
+              </a:tr>
+              <a:tr h="370840">
+                <a:tc>
+                  <a:txBody>
+                    <a:bodyPr/>
+                    <a:lstStyle/>
+                    <a:p>
+                      <a:r>
+                        <a:rPr lang="pt-BR" dirty="0"/>
+                        <a:t>Sprint 8</a:t>
+                      </a:r>
+                    </a:p>
+                  </a:txBody>
+                  <a:tcPr/>
+                </a:tc>
+                <a:tc>
+                  <a:txBody>
+                    <a:bodyPr/>
+                    <a:lstStyle/>
+                    <a:p>
+                      <a:r>
+                        <a:rPr lang="pt-BR" dirty="0"/>
+                        <a:t>Correção de bugs do software</a:t>
+                      </a:r>
+                    </a:p>
+                  </a:txBody>
+                  <a:tcPr/>
+                </a:tc>
+                <a:extLst>
+                  <a:ext uri="{0D108BD9-81ED-4DB2-BD59-A6C34878D82A}">
+                    <a16:rowId xmlns:a16="http://schemas.microsoft.com/office/drawing/2014/main" val="2760219987"/>
+                  </a:ext>
+                </a:extLst>
+              </a:tr>
+            </a:tbl>
+          </a:graphicData>
+        </a:graphic>
+      </p:graphicFrame>
+    </p:spTree>
+    <p:extLst>
+      <p:ext uri="{BB962C8B-B14F-4D97-AF65-F5344CB8AC3E}">
+        <p14:creationId xmlns:p14="http://schemas.microsoft.com/office/powerpoint/2010/main" val="1173754864"/>
+      </p:ext>
+    </p:extLst>
+  </p:cSld>
+  <p:clrMapOvr>
+    <a:masterClrMapping/>
+  </p:clrMapOvr>
+  <p:transition spd="slow">
+    <p:wipe/>
+  </p:transition>
+  <p:timing>
+    <p:tnLst>
+      <p:par>
+        <p:cTn id="1" dur="indefinite" restart="never" nodeType="tmRoot">
+          <p:childTnLst>
+            <p:seq concurrent="1" nextAc="seek">
+              <p:cTn id="2" dur="indefinite" nodeType="mainSeq">
+                <p:childTnLst>
+                  <p:par>
+                    <p:cTn id="3" fill="hold">
+                      <p:stCondLst>
+                        <p:cond delay="indefinite"/>
+                      </p:stCondLst>
+                      <p:childTnLst>
+                        <p:par>
+                          <p:cTn id="4" fill="hold">
+                            <p:stCondLst>
+                              <p:cond delay="0"/>
+                            </p:stCondLst>
+                            <p:childTnLst>
+                              <p:par>
+                                <p:cTn id="5" presetID="10" presetClass="entr" presetSubtype="0" fill="hold" grpId="0" nodeType="clickEffect">
+                                  <p:stCondLst>
+                                    <p:cond delay="0"/>
+                                  </p:stCondLst>
+                                  <p:childTnLst>
+                                    <p:set>
+                                      <p:cBhvr>
+                                        <p:cTn id="6" dur="1" fill="hold">
+                                          <p:stCondLst>
+                                            <p:cond delay="0"/>
+                                          </p:stCondLst>
+                                        </p:cTn>
+                                        <p:tgtEl>
+                                          <p:spTgt spid="2"/>
+                                        </p:tgtEl>
+                                        <p:attrNameLst>
+                                          <p:attrName>style.visibility</p:attrName>
+                                        </p:attrNameLst>
+                                      </p:cBhvr>
+                                      <p:to>
+                                        <p:strVal val="visible"/>
+                                      </p:to>
+                                    </p:set>
+                                    <p:animEffect transition="in" filter="fade">
+                                      <p:cBhvr>
+                                        <p:cTn id="7" dur="500"/>
+                                        <p:tgtEl>
+                                          <p:spTgt spid="2"/>
+                                        </p:tgtEl>
+                                      </p:cBhvr>
+                                    </p:animEffect>
+                                  </p:childTnLst>
+                                </p:cTn>
+                              </p:par>
+                            </p:childTnLst>
+                          </p:cTn>
+                        </p:par>
+                      </p:childTnLst>
+                    </p:cTn>
+                  </p:par>
+                  <p:par>
+                    <p:cTn id="8" fill="hold">
+                      <p:stCondLst>
+                        <p:cond delay="indefinite"/>
+                      </p:stCondLst>
+                      <p:childTnLst>
+                        <p:par>
+                          <p:cTn id="9" fill="hold">
+                            <p:stCondLst>
+                              <p:cond delay="0"/>
+                            </p:stCondLst>
+                            <p:childTnLst>
+                              <p:par>
+                                <p:cTn id="10" presetID="10" presetClass="entr" presetSubtype="0" fill="hold" nodeType="clickEffect">
+                                  <p:stCondLst>
+                                    <p:cond delay="0"/>
+                                  </p:stCondLst>
+                                  <p:childTnLst>
+                                    <p:set>
+                                      <p:cBhvr>
+                                        <p:cTn id="11" dur="1" fill="hold">
+                                          <p:stCondLst>
+                                            <p:cond delay="0"/>
+                                          </p:stCondLst>
+                                        </p:cTn>
+                                        <p:tgtEl>
+                                          <p:spTgt spid="4"/>
+                                        </p:tgtEl>
+                                        <p:attrNameLst>
+                                          <p:attrName>style.visibility</p:attrName>
+                                        </p:attrNameLst>
+                                      </p:cBhvr>
+                                      <p:to>
+                                        <p:strVal val="visible"/>
+                                      </p:to>
+                                    </p:set>
+                                    <p:animEffect transition="in" filter="fade">
+                                      <p:cBhvr>
+                                        <p:cTn id="12" dur="500"/>
+                                        <p:tgtEl>
+                                          <p:spTgt spid="4"/>
+                                        </p:tgtEl>
+                                      </p:cBhvr>
+                                    </p:animEffect>
+                                  </p:childTnLst>
+                                </p:cTn>
+                              </p:par>
+                            </p:childTnLst>
+                          </p:cTn>
+                        </p:par>
+                      </p:childTnLst>
+                    </p:cTn>
+                  </p:par>
+                </p:childTnLst>
+              </p:cTn>
+              <p:prevCondLst>
+                <p:cond evt="onPrev" delay="0">
+                  <p:tgtEl>
+                    <p:sldTgt/>
+                  </p:tgtEl>
+                </p:cond>
+              </p:prevCondLst>
+              <p:nextCondLst>
+                <p:cond evt="onNext" delay="0">
+                  <p:tgtEl>
+                    <p:sldTgt/>
+                  </p:tgtEl>
+                </p:cond>
+              </p:nextCondLst>
+            </p:seq>
+          </p:childTnLst>
+        </p:cTn>
+      </p:par>
+    </p:tnLst>
+    <p:bldLst>
+      <p:bldP spid="2" grpId="0"/>
+    </p:bldLst>
+  </p:timing>
+</p:sld>
+</file>
+
+<file path=ppt/slides/slide8.xml><?xml version="1.0" encoding="utf-8"?>
+<p:sld xmlns:a="http://schemas.openxmlformats.org/drawingml/2006/main" xmlns:r="http://schemas.openxmlformats.org/officeDocument/2006/relationships" xmlns:p="http://schemas.openxmlformats.org/presentationml/2006/main">
+  <p:cSld>
+    <p:spTree>
+      <p:nvGrpSpPr>
+        <p:cNvPr id="1" name=""/>
+        <p:cNvGrpSpPr/>
+        <p:nvPr/>
+      </p:nvGrpSpPr>
+      <p:grpSpPr>
+        <a:xfrm>
+          <a:off x="0" y="0"/>
+          <a:ext cx="0" cy="0"/>
+          <a:chOff x="0" y="0"/>
+          <a:chExt cx="0" cy="0"/>
+        </a:xfrm>
+      </p:grpSpPr>
+      <p:sp>
+        <p:nvSpPr>
+          <p:cNvPr id="2" name="Título 1">
+            <a:extLst>
+              <a:ext uri="{FF2B5EF4-FFF2-40B4-BE49-F238E27FC236}">
                 <a16:creationId xmlns:a16="http://schemas.microsoft.com/office/drawing/2014/main" id="{52773BA8-A7B6-466F-B4D3-7409F05906A2}"/>
               </a:ext>
             </a:extLst>
@@ -18895,7 +19673,7 @@
 </p:sld>
 </file>
 
-<file path=ppt/slides/slide8.xml><?xml version="1.0" encoding="utf-8"?>
+<file path=ppt/slides/slide9.xml><?xml version="1.0" encoding="utf-8"?>
 <p:sld xmlns:a="http://schemas.openxmlformats.org/drawingml/2006/main" xmlns:r="http://schemas.openxmlformats.org/officeDocument/2006/relationships" xmlns:p="http://schemas.openxmlformats.org/presentationml/2006/main">
   <p:cSld>
     <p:spTree>
@@ -18973,235 +19751,6 @@
     <p:extLst>
       <p:ext uri="{BB962C8B-B14F-4D97-AF65-F5344CB8AC3E}">
         <p14:creationId xmlns:p14="http://schemas.microsoft.com/office/powerpoint/2010/main" val="3672795962"/>
-      </p:ext>
-    </p:extLst>
-  </p:cSld>
-  <p:clrMapOvr>
-    <a:masterClrMapping/>
-  </p:clrMapOvr>
-  <p:transition spd="slow">
-    <p:wipe/>
-  </p:transition>
-  <p:timing>
-    <p:tnLst>
-      <p:par>
-        <p:cTn id="1" dur="indefinite" restart="never" nodeType="tmRoot">
-          <p:childTnLst>
-            <p:seq concurrent="1" nextAc="seek">
-              <p:cTn id="2" dur="indefinite" nodeType="mainSeq">
-                <p:childTnLst>
-                  <p:par>
-                    <p:cTn id="3" fill="hold">
-                      <p:stCondLst>
-                        <p:cond delay="indefinite"/>
-                      </p:stCondLst>
-                      <p:childTnLst>
-                        <p:par>
-                          <p:cTn id="4" fill="hold">
-                            <p:stCondLst>
-                              <p:cond delay="0"/>
-                            </p:stCondLst>
-                            <p:childTnLst>
-                              <p:par>
-                                <p:cTn id="5" presetID="10" presetClass="entr" presetSubtype="0" fill="hold" grpId="0" nodeType="clickEffect">
-                                  <p:stCondLst>
-                                    <p:cond delay="0"/>
-                                  </p:stCondLst>
-                                  <p:childTnLst>
-                                    <p:set>
-                                      <p:cBhvr>
-                                        <p:cTn id="6" dur="1" fill="hold">
-                                          <p:stCondLst>
-                                            <p:cond delay="0"/>
-                                          </p:stCondLst>
-                                        </p:cTn>
-                                        <p:tgtEl>
-                                          <p:spTgt spid="2"/>
-                                        </p:tgtEl>
-                                        <p:attrNameLst>
-                                          <p:attrName>style.visibility</p:attrName>
-                                        </p:attrNameLst>
-                                      </p:cBhvr>
-                                      <p:to>
-                                        <p:strVal val="visible"/>
-                                      </p:to>
-                                    </p:set>
-                                    <p:animEffect transition="in" filter="fade">
-                                      <p:cBhvr>
-                                        <p:cTn id="7" dur="500"/>
-                                        <p:tgtEl>
-                                          <p:spTgt spid="2"/>
-                                        </p:tgtEl>
-                                      </p:cBhvr>
-                                    </p:animEffect>
-                                  </p:childTnLst>
-                                </p:cTn>
-                              </p:par>
-                            </p:childTnLst>
-                          </p:cTn>
-                        </p:par>
-                      </p:childTnLst>
-                    </p:cTn>
-                  </p:par>
-                  <p:par>
-                    <p:cTn id="8" fill="hold">
-                      <p:stCondLst>
-                        <p:cond delay="indefinite"/>
-                      </p:stCondLst>
-                      <p:childTnLst>
-                        <p:par>
-                          <p:cTn id="9" fill="hold">
-                            <p:stCondLst>
-                              <p:cond delay="0"/>
-                            </p:stCondLst>
-                            <p:childTnLst>
-                              <p:par>
-                                <p:cTn id="10" presetID="10" presetClass="entr" presetSubtype="0" fill="hold" nodeType="clickEffect">
-                                  <p:stCondLst>
-                                    <p:cond delay="0"/>
-                                  </p:stCondLst>
-                                  <p:childTnLst>
-                                    <p:set>
-                                      <p:cBhvr>
-                                        <p:cTn id="11" dur="1" fill="hold">
-                                          <p:stCondLst>
-                                            <p:cond delay="0"/>
-                                          </p:stCondLst>
-                                        </p:cTn>
-                                        <p:tgtEl>
-                                          <p:spTgt spid="5"/>
-                                        </p:tgtEl>
-                                        <p:attrNameLst>
-                                          <p:attrName>style.visibility</p:attrName>
-                                        </p:attrNameLst>
-                                      </p:cBhvr>
-                                      <p:to>
-                                        <p:strVal val="visible"/>
-                                      </p:to>
-                                    </p:set>
-                                    <p:animEffect transition="in" filter="fade">
-                                      <p:cBhvr>
-                                        <p:cTn id="12" dur="500"/>
-                                        <p:tgtEl>
-                                          <p:spTgt spid="5"/>
-                                        </p:tgtEl>
-                                      </p:cBhvr>
-                                    </p:animEffect>
-                                  </p:childTnLst>
-                                </p:cTn>
-                              </p:par>
-                            </p:childTnLst>
-                          </p:cTn>
-                        </p:par>
-                      </p:childTnLst>
-                    </p:cTn>
-                  </p:par>
-                </p:childTnLst>
-              </p:cTn>
-              <p:prevCondLst>
-                <p:cond evt="onPrev" delay="0">
-                  <p:tgtEl>
-                    <p:sldTgt/>
-                  </p:tgtEl>
-                </p:cond>
-              </p:prevCondLst>
-              <p:nextCondLst>
-                <p:cond evt="onNext" delay="0">
-                  <p:tgtEl>
-                    <p:sldTgt/>
-                  </p:tgtEl>
-                </p:cond>
-              </p:nextCondLst>
-            </p:seq>
-          </p:childTnLst>
-        </p:cTn>
-      </p:par>
-    </p:tnLst>
-    <p:bldLst>
-      <p:bldP spid="2" grpId="0"/>
-    </p:bldLst>
-  </p:timing>
-</p:sld>
-</file>
-
-<file path=ppt/slides/slide9.xml><?xml version="1.0" encoding="utf-8"?>
-<p:sld xmlns:a="http://schemas.openxmlformats.org/drawingml/2006/main" xmlns:r="http://schemas.openxmlformats.org/officeDocument/2006/relationships" xmlns:p="http://schemas.openxmlformats.org/presentationml/2006/main">
-  <p:cSld>
-    <p:spTree>
-      <p:nvGrpSpPr>
-        <p:cNvPr id="1" name=""/>
-        <p:cNvGrpSpPr/>
-        <p:nvPr/>
-      </p:nvGrpSpPr>
-      <p:grpSpPr>
-        <a:xfrm>
-          <a:off x="0" y="0"/>
-          <a:ext cx="0" cy="0"/>
-          <a:chOff x="0" y="0"/>
-          <a:chExt cx="0" cy="0"/>
-        </a:xfrm>
-      </p:grpSpPr>
-      <p:sp>
-        <p:nvSpPr>
-          <p:cNvPr id="2" name="Título 1">
-            <a:extLst>
-              <a:ext uri="{FF2B5EF4-FFF2-40B4-BE49-F238E27FC236}">
-                <a16:creationId xmlns:a16="http://schemas.microsoft.com/office/drawing/2014/main" id="{28C4A8C5-7910-4493-B08D-352B75EACBF1}"/>
-              </a:ext>
-            </a:extLst>
-          </p:cNvPr>
-          <p:cNvSpPr>
-            <a:spLocks noGrp="1"/>
-          </p:cNvSpPr>
-          <p:nvPr>
-            <p:ph type="title"/>
-          </p:nvPr>
-        </p:nvSpPr>
-        <p:spPr/>
-        <p:txBody>
-          <a:bodyPr/>
-          <a:lstStyle/>
-          <a:p>
-            <a:r>
-              <a:rPr lang="pt-BR" dirty="0"/>
-              <a:t>Dfd – nv1 p2</a:t>
-            </a:r>
-          </a:p>
-        </p:txBody>
-      </p:sp>
-      <p:pic>
-        <p:nvPicPr>
-          <p:cNvPr id="5" name="Espaço Reservado para Conteúdo 4">
-            <a:extLst>
-              <a:ext uri="{FF2B5EF4-FFF2-40B4-BE49-F238E27FC236}">
-                <a16:creationId xmlns:a16="http://schemas.microsoft.com/office/drawing/2014/main" id="{19D28FBE-22CB-4251-BCB7-52780490EEBF}"/>
-              </a:ext>
-            </a:extLst>
-          </p:cNvPr>
-          <p:cNvPicPr>
-            <a:picLocks noGrp="1" noChangeAspect="1"/>
-          </p:cNvPicPr>
-          <p:nvPr>
-            <p:ph idx="1"/>
-          </p:nvPr>
-        </p:nvPicPr>
-        <p:blipFill>
-          <a:blip r:embed="rId2"/>
-          <a:stretch>
-            <a:fillRect/>
-          </a:stretch>
-        </p:blipFill>
-        <p:spPr>
-          <a:xfrm>
-            <a:off x="2649614" y="2249488"/>
-            <a:ext cx="6889598" cy="3541712"/>
-          </a:xfrm>
-        </p:spPr>
-      </p:pic>
-    </p:spTree>
-    <p:extLst>
-      <p:ext uri="{BB962C8B-B14F-4D97-AF65-F5344CB8AC3E}">
-        <p14:creationId xmlns:p14="http://schemas.microsoft.com/office/powerpoint/2010/main" val="3312437207"/>
       </p:ext>
     </p:extLst>
   </p:cSld>
